--- a/docs/Loandt_Presentation.pptx
+++ b/docs/Loandt_Presentation.pptx
@@ -9939,7 +9939,7 @@
           <p:nvPr/>
         </p:nvPicPr>
         <p:blipFill>
-          <a:blip r:embed="rId3" cstate="print">
+          <a:blip r:embed="rId3">
             <a:extLst>
               <a:ext uri="{28A0092B-C50C-407E-A947-70E740481C1C}">
                 <a14:useLocalDpi xmlns:a14="http://schemas.microsoft.com/office/drawing/2010/main" val="0"/>
@@ -9952,8 +9952,8 @@
         </p:blipFill>
         <p:spPr>
           <a:xfrm>
-            <a:off x="1798320" y="1478280"/>
-            <a:ext cx="8930640" cy="4878070"/>
+            <a:off x="1630680" y="1825625"/>
+            <a:ext cx="8930640" cy="4612960"/>
           </a:xfrm>
           <a:prstGeom prst="rect">
             <a:avLst/>
@@ -10362,12 +10362,9 @@
             <a:pPr marL="0" indent="0">
               <a:buNone/>
             </a:pPr>
-            <a:r>
-              <a:rPr lang="en-US" dirty="0" smtClean="0">
-                <a:latin typeface="Arial (Body)"/>
-              </a:rPr>
-              <a:t>Maven</a:t>
-            </a:r>
+            <a:endParaRPr lang="en-US" dirty="0" smtClean="0">
+              <a:latin typeface="Arial (Body)"/>
+            </a:endParaRPr>
           </a:p>
           <a:p>
             <a:pPr lvl="1"/>
@@ -10589,39 +10586,6 @@
           </a:p>
         </p:txBody>
       </p:sp>
-      <p:pic>
-        <p:nvPicPr>
-          <p:cNvPr id="4" name="Picture 3" descr="https://lh3.googleusercontent.com/Jvh9Sn8Sime--lS3UyKspnZGOHSkHbLXEwKQaTo_vKLk3V9pDTm0UzVrLfCWaKe82A6CuAR6QNu59Qy0mEXloWVDOt5P-4CLBguOS5RAyXHx6MGH8bKEAjyyP9oVUBRM7oao5z4u"/>
-          <p:cNvPicPr/>
-          <p:nvPr/>
-        </p:nvPicPr>
-        <p:blipFill>
-          <a:blip r:embed="rId2">
-            <a:extLst>
-              <a:ext uri="{28A0092B-C50C-407E-A947-70E740481C1C}">
-                <a14:useLocalDpi xmlns:a14="http://schemas.microsoft.com/office/drawing/2010/main" val="0"/>
-              </a:ext>
-            </a:extLst>
-          </a:blip>
-          <a:srcRect/>
-          <a:stretch>
-            <a:fillRect/>
-          </a:stretch>
-        </p:blipFill>
-        <p:spPr bwMode="auto">
-          <a:xfrm>
-            <a:off x="3105786" y="3680463"/>
-            <a:ext cx="5694680" cy="2154555"/>
-          </a:xfrm>
-          <a:prstGeom prst="rect">
-            <a:avLst/>
-          </a:prstGeom>
-          <a:noFill/>
-          <a:ln>
-            <a:noFill/>
-          </a:ln>
-        </p:spPr>
-      </p:pic>
       <p:sp>
         <p:nvSpPr>
           <p:cNvPr id="5" name="Slide Number Placeholder 4"/>
@@ -10645,36 +10609,6 @@
           </a:p>
         </p:txBody>
       </p:sp>
-      <p:pic>
-        <p:nvPicPr>
-          <p:cNvPr id="6" name="Picture 5"/>
-          <p:cNvPicPr>
-            <a:picLocks noChangeAspect="1"/>
-          </p:cNvPicPr>
-          <p:nvPr/>
-        </p:nvPicPr>
-        <p:blipFill>
-          <a:blip r:embed="rId3">
-            <a:extLst>
-              <a:ext uri="{28A0092B-C50C-407E-A947-70E740481C1C}">
-                <a14:useLocalDpi xmlns:a14="http://schemas.microsoft.com/office/drawing/2010/main" val="0"/>
-              </a:ext>
-            </a:extLst>
-          </a:blip>
-          <a:stretch>
-            <a:fillRect/>
-          </a:stretch>
-        </p:blipFill>
-        <p:spPr>
-          <a:xfrm>
-            <a:off x="9698036" y="1690688"/>
-            <a:ext cx="1655764" cy="418811"/>
-          </a:xfrm>
-          <a:prstGeom prst="rect">
-            <a:avLst/>
-          </a:prstGeom>
-        </p:spPr>
-      </p:pic>
     </p:spTree>
     <p:extLst>
       <p:ext uri="{BB962C8B-B14F-4D97-AF65-F5344CB8AC3E}">

--- a/docs/Loandt_Presentation.pptx
+++ b/docs/Loandt_Presentation.pptx
@@ -5,7 +5,7 @@
     <p:sldMasterId id="2147483648" r:id="rId1"/>
   </p:sldMasterIdLst>
   <p:notesMasterIdLst>
-    <p:notesMasterId r:id="rId31"/>
+    <p:notesMasterId r:id="rId32"/>
   </p:notesMasterIdLst>
   <p:sldIdLst>
     <p:sldId id="257" r:id="rId2"/>
@@ -20,23 +20,24 @@
     <p:sldId id="292" r:id="rId11"/>
     <p:sldId id="305" r:id="rId12"/>
     <p:sldId id="269" r:id="rId13"/>
-    <p:sldId id="304" r:id="rId14"/>
-    <p:sldId id="284" r:id="rId15"/>
-    <p:sldId id="267" r:id="rId16"/>
-    <p:sldId id="301" r:id="rId17"/>
-    <p:sldId id="279" r:id="rId18"/>
-    <p:sldId id="288" r:id="rId19"/>
-    <p:sldId id="298" r:id="rId20"/>
-    <p:sldId id="299" r:id="rId21"/>
-    <p:sldId id="300" r:id="rId22"/>
-    <p:sldId id="280" r:id="rId23"/>
-    <p:sldId id="281" r:id="rId24"/>
-    <p:sldId id="297" r:id="rId25"/>
-    <p:sldId id="273" r:id="rId26"/>
-    <p:sldId id="303" r:id="rId27"/>
-    <p:sldId id="302" r:id="rId28"/>
-    <p:sldId id="277" r:id="rId29"/>
-    <p:sldId id="278" r:id="rId30"/>
+    <p:sldId id="306" r:id="rId14"/>
+    <p:sldId id="304" r:id="rId15"/>
+    <p:sldId id="284" r:id="rId16"/>
+    <p:sldId id="267" r:id="rId17"/>
+    <p:sldId id="301" r:id="rId18"/>
+    <p:sldId id="279" r:id="rId19"/>
+    <p:sldId id="288" r:id="rId20"/>
+    <p:sldId id="298" r:id="rId21"/>
+    <p:sldId id="299" r:id="rId22"/>
+    <p:sldId id="300" r:id="rId23"/>
+    <p:sldId id="280" r:id="rId24"/>
+    <p:sldId id="281" r:id="rId25"/>
+    <p:sldId id="297" r:id="rId26"/>
+    <p:sldId id="273" r:id="rId27"/>
+    <p:sldId id="303" r:id="rId28"/>
+    <p:sldId id="302" r:id="rId29"/>
+    <p:sldId id="277" r:id="rId30"/>
+    <p:sldId id="278" r:id="rId31"/>
   </p:sldIdLst>
   <p:sldSz cx="12192000" cy="6858000"/>
   <p:notesSz cx="6858000" cy="9144000"/>
@@ -642,7 +643,7 @@
           <a:p>
             <a:fld id="{1003FD65-A8D5-AE4E-BF67-EC828D837F08}" type="slidenum">
               <a:rPr lang="en-US" smtClean="0"/>
-              <a:t>23</a:t>
+              <a:t>24</a:t>
             </a:fld>
             <a:endParaRPr lang="en-US"/>
           </a:p>
@@ -1648,7 +1649,7 @@
           <a:p>
             <a:fld id="{1003FD65-A8D5-AE4E-BF67-EC828D837F08}" type="slidenum">
               <a:rPr lang="en-US" smtClean="0"/>
-              <a:t>24</a:t>
+              <a:t>25</a:t>
             </a:fld>
             <a:endParaRPr lang="en-US"/>
           </a:p>
@@ -1732,7 +1733,7 @@
           <a:p>
             <a:fld id="{1003FD65-A8D5-AE4E-BF67-EC828D837F08}" type="slidenum">
               <a:rPr lang="en-US" smtClean="0"/>
-              <a:t>25</a:t>
+              <a:t>26</a:t>
             </a:fld>
             <a:endParaRPr lang="en-US"/>
           </a:p>
@@ -1816,7 +1817,7 @@
           <a:p>
             <a:fld id="{1003FD65-A8D5-AE4E-BF67-EC828D837F08}" type="slidenum">
               <a:rPr lang="en-US" smtClean="0"/>
-              <a:t>26</a:t>
+              <a:t>27</a:t>
             </a:fld>
             <a:endParaRPr lang="en-US"/>
           </a:p>
@@ -1900,7 +1901,7 @@
           <a:p>
             <a:fld id="{1003FD65-A8D5-AE4E-BF67-EC828D837F08}" type="slidenum">
               <a:rPr lang="en-US" smtClean="0"/>
-              <a:t>27</a:t>
+              <a:t>28</a:t>
             </a:fld>
             <a:endParaRPr lang="en-US"/>
           </a:p>
@@ -10350,7 +10351,7 @@
                 <a:ea typeface="Calibri" charset="0"/>
                 <a:cs typeface="Calibri" charset="0"/>
               </a:rPr>
-              <a:t>Github</a:t>
+              <a:t>Git</a:t>
             </a:r>
             <a:endParaRPr lang="en-US" dirty="0" smtClean="0">
               <a:latin typeface="Arial (Body)"/>
@@ -10362,222 +10363,30 @@
             <a:pPr marL="0" indent="0">
               <a:buNone/>
             </a:pPr>
-            <a:endParaRPr lang="en-US" dirty="0" smtClean="0">
-              <a:latin typeface="Arial (Body)"/>
-            </a:endParaRPr>
-          </a:p>
-          <a:p>
-            <a:pPr lvl="1"/>
-            <a:r>
-              <a:rPr lang="en-US" dirty="0" err="1" smtClean="0">
-                <a:latin typeface="Arial (Body)"/>
-              </a:rPr>
-              <a:t>Quản</a:t>
-            </a:r>
-            <a:r>
-              <a:rPr lang="en-US" dirty="0" smtClean="0">
-                <a:latin typeface="Arial (Body)"/>
-              </a:rPr>
-              <a:t> </a:t>
-            </a:r>
-            <a:r>
-              <a:rPr lang="en-US" dirty="0" err="1">
-                <a:latin typeface="Arial (Body)"/>
-              </a:rPr>
-              <a:t>lý</a:t>
-            </a:r>
-            <a:r>
-              <a:rPr lang="en-US" dirty="0">
-                <a:latin typeface="Arial (Body)"/>
-              </a:rPr>
-              <a:t> </a:t>
-            </a:r>
-            <a:r>
-              <a:rPr lang="en-US" dirty="0" err="1" smtClean="0">
-                <a:latin typeface="Arial (Body)"/>
-              </a:rPr>
-              <a:t>mã</a:t>
-            </a:r>
-            <a:r>
-              <a:rPr lang="en-US" dirty="0" smtClean="0">
-                <a:latin typeface="Arial (Body)"/>
-              </a:rPr>
-              <a:t> </a:t>
-            </a:r>
-            <a:r>
-              <a:rPr lang="en-US" dirty="0" err="1" smtClean="0">
-                <a:latin typeface="Arial (Body)"/>
-              </a:rPr>
-              <a:t>nguồn</a:t>
-            </a:r>
-            <a:r>
-              <a:rPr lang="en-US" dirty="0" smtClean="0">
-                <a:latin typeface="Arial (Body)"/>
-              </a:rPr>
-              <a:t>, </a:t>
-            </a:r>
-            <a:r>
-              <a:rPr lang="en-US" dirty="0" err="1">
-                <a:latin typeface="Arial (Body)"/>
-              </a:rPr>
-              <a:t>thư</a:t>
-            </a:r>
-            <a:r>
-              <a:rPr lang="en-US" dirty="0">
-                <a:latin typeface="Arial (Body)"/>
-              </a:rPr>
-              <a:t> </a:t>
-            </a:r>
-            <a:r>
-              <a:rPr lang="en-US" dirty="0" err="1">
-                <a:latin typeface="Arial (Body)"/>
-              </a:rPr>
-              <a:t>viện</a:t>
-            </a:r>
-            <a:r>
-              <a:rPr lang="en-US" dirty="0">
-                <a:latin typeface="Arial (Body)"/>
-              </a:rPr>
-              <a:t> </a:t>
-            </a:r>
-            <a:r>
-              <a:rPr lang="en-US" dirty="0" err="1" smtClean="0">
-                <a:latin typeface="Arial (Body)"/>
-              </a:rPr>
-              <a:t>phụ</a:t>
-            </a:r>
-            <a:r>
-              <a:rPr lang="en-US" dirty="0" smtClean="0">
-                <a:latin typeface="Arial (Body)"/>
-              </a:rPr>
-              <a:t> </a:t>
-            </a:r>
-            <a:r>
-              <a:rPr lang="en-US" dirty="0" err="1" smtClean="0">
-                <a:latin typeface="Arial (Body)"/>
-              </a:rPr>
-              <a:t>thuộc</a:t>
-            </a:r>
-            <a:endParaRPr lang="en-US" dirty="0">
-              <a:latin typeface="Arial (Body)"/>
-            </a:endParaRPr>
-          </a:p>
-          <a:p>
-            <a:pPr lvl="1"/>
-            <a:r>
-              <a:rPr lang="en-US" dirty="0" err="1" smtClean="0">
-                <a:latin typeface="Arial (Body)"/>
-              </a:rPr>
-              <a:t>Dịch</a:t>
-            </a:r>
-            <a:r>
-              <a:rPr lang="en-US" dirty="0" smtClean="0">
-                <a:latin typeface="Arial (Body)"/>
-              </a:rPr>
-              <a:t>, </a:t>
-            </a:r>
-            <a:r>
-              <a:rPr lang="en-US" dirty="0" err="1" smtClean="0">
-                <a:latin typeface="Arial (Body)"/>
-              </a:rPr>
-              <a:t>chạy</a:t>
-            </a:r>
-            <a:r>
-              <a:rPr lang="en-US" dirty="0" smtClean="0">
-                <a:latin typeface="Arial (Body)"/>
-              </a:rPr>
-              <a:t> </a:t>
-            </a:r>
-            <a:r>
-              <a:rPr lang="en-US" dirty="0" err="1" smtClean="0">
-                <a:latin typeface="Arial (Body)"/>
-              </a:rPr>
-              <a:t>các</a:t>
-            </a:r>
-            <a:r>
-              <a:rPr lang="en-US" dirty="0" smtClean="0">
-                <a:latin typeface="Arial (Body)"/>
-              </a:rPr>
-              <a:t> ca </a:t>
-            </a:r>
-            <a:r>
-              <a:rPr lang="en-US" dirty="0" err="1" smtClean="0">
-                <a:latin typeface="Arial (Body)"/>
-              </a:rPr>
-              <a:t>kiểm</a:t>
-            </a:r>
-            <a:r>
-              <a:rPr lang="en-US" dirty="0" smtClean="0">
-                <a:latin typeface="Arial (Body)"/>
-              </a:rPr>
-              <a:t> </a:t>
-            </a:r>
-            <a:r>
-              <a:rPr lang="en-US" dirty="0" err="1" smtClean="0">
-                <a:latin typeface="Arial (Body)"/>
-              </a:rPr>
-              <a:t>thử</a:t>
-            </a:r>
-            <a:r>
-              <a:rPr lang="en-US" dirty="0" smtClean="0">
-                <a:latin typeface="Arial (Body)"/>
-              </a:rPr>
-              <a:t>, </a:t>
-            </a:r>
-            <a:r>
-              <a:rPr lang="en-US" dirty="0" err="1" smtClean="0">
-                <a:latin typeface="Arial (Body)"/>
-              </a:rPr>
-              <a:t>đóng</a:t>
-            </a:r>
-            <a:r>
-              <a:rPr lang="en-US" dirty="0" smtClean="0">
-                <a:latin typeface="Arial (Body)"/>
-              </a:rPr>
-              <a:t> </a:t>
-            </a:r>
-            <a:r>
-              <a:rPr lang="en-US" dirty="0" err="1" smtClean="0">
-                <a:latin typeface="Arial (Body)"/>
-              </a:rPr>
-              <a:t>gói</a:t>
-            </a:r>
-            <a:r>
-              <a:rPr lang="en-US" dirty="0" smtClean="0">
-                <a:latin typeface="Arial (Body)"/>
-              </a:rPr>
-              <a:t> </a:t>
-            </a:r>
-            <a:r>
-              <a:rPr lang="en-US" dirty="0" err="1" smtClean="0">
-                <a:latin typeface="Arial (Body)"/>
-              </a:rPr>
-              <a:t>và</a:t>
-            </a:r>
-            <a:r>
-              <a:rPr lang="en-US" dirty="0" smtClean="0">
-                <a:latin typeface="Arial (Body)"/>
-              </a:rPr>
-              <a:t> </a:t>
-            </a:r>
-            <a:r>
-              <a:rPr lang="en-US" dirty="0" err="1" smtClean="0">
-                <a:latin typeface="Arial (Body)"/>
-              </a:rPr>
-              <a:t>triển</a:t>
-            </a:r>
-            <a:r>
-              <a:rPr lang="en-US" dirty="0" smtClean="0">
-                <a:latin typeface="Arial (Body)"/>
-              </a:rPr>
-              <a:t> </a:t>
-            </a:r>
-            <a:r>
-              <a:rPr lang="en-US" dirty="0" err="1" smtClean="0">
-                <a:latin typeface="Arial (Body)"/>
-              </a:rPr>
-              <a:t>khai</a:t>
-            </a:r>
+            <a:r>
+              <a:rPr lang="en-US"/>
+              <a:t>Git là một Hệ thống quản lý phiên bản phân tán (Distributed Version Control System). </a:t>
+            </a:r>
+          </a:p>
+          <a:p>
+            <a:pPr marL="0" indent="0">
+              <a:buNone/>
+            </a:pPr>
+            <a:r>
+              <a:rPr lang="en-US"/>
+              <a:t>một số hệ thống quản lý mã nguồn phân tán như: Mercurial, CVS, Subversion…</a:t>
+            </a:r>
+            <a:r>
+              <a:rPr lang="en-US">
+                <a:effectLst/>
+              </a:rPr>
+              <a:t> </a:t>
+            </a:r>
+          </a:p>
+          <a:p>
+            <a:pPr marL="0" indent="0">
+              <a:buNone/>
+            </a:pPr>
             <a:endParaRPr lang="en-US" dirty="0">
               <a:latin typeface="Arial (Body)"/>
               <a:ea typeface="Calibri" charset="0"/>
@@ -10727,6 +10536,239 @@
             <p:ph idx="1"/>
           </p:nvPr>
         </p:nvSpPr>
+        <p:spPr>
+          <a:xfrm>
+            <a:off x="1120000" y="1825625"/>
+            <a:ext cx="5600840" cy="4351338"/>
+          </a:xfrm>
+        </p:spPr>
+        <p:txBody>
+          <a:bodyPr/>
+          <a:lstStyle/>
+          <a:p>
+            <a:pPr marL="0" indent="0">
+              <a:buNone/>
+            </a:pPr>
+            <a:r>
+              <a:rPr lang="en-US" dirty="0" smtClean="0">
+                <a:latin typeface="Arial (Body)"/>
+                <a:ea typeface="Calibri" charset="0"/>
+                <a:cs typeface="Calibri" charset="0"/>
+              </a:rPr>
+              <a:t>2.1. </a:t>
+            </a:r>
+            <a:r>
+              <a:rPr lang="en-US" dirty="0" err="1" smtClean="0">
+                <a:latin typeface="Arial (Body)"/>
+                <a:ea typeface="Calibri" charset="0"/>
+                <a:cs typeface="Calibri" charset="0"/>
+              </a:rPr>
+              <a:t>Git</a:t>
+            </a:r>
+            <a:endParaRPr lang="en-US" dirty="0" smtClean="0">
+              <a:latin typeface="Arial (Body)"/>
+              <a:ea typeface="Calibri" charset="0"/>
+              <a:cs typeface="Calibri" charset="0"/>
+            </a:endParaRPr>
+          </a:p>
+          <a:p>
+            <a:pPr marL="0" indent="0">
+              <a:buNone/>
+            </a:pPr>
+            <a:r>
+              <a:rPr lang="en-US"/>
+              <a:t>Cấu trúc tổ chức kho mã nguồn trên Git</a:t>
+            </a:r>
+            <a:endParaRPr lang="en-US">
+              <a:effectLst/>
+            </a:endParaRPr>
+          </a:p>
+          <a:p>
+            <a:pPr marL="0" indent="0">
+              <a:buNone/>
+            </a:pPr>
+            <a:endParaRPr lang="en-US" dirty="0">
+              <a:latin typeface="Arial (Body)"/>
+              <a:ea typeface="Calibri" charset="0"/>
+              <a:cs typeface="Calibri" charset="0"/>
+            </a:endParaRPr>
+          </a:p>
+        </p:txBody>
+      </p:sp>
+      <p:sp>
+        <p:nvSpPr>
+          <p:cNvPr id="5" name="Slide Number Placeholder 4"/>
+          <p:cNvSpPr>
+            <a:spLocks noGrp="1"/>
+          </p:cNvSpPr>
+          <p:nvPr>
+            <p:ph type="sldNum" sz="quarter" idx="12"/>
+          </p:nvPr>
+        </p:nvSpPr>
+        <p:spPr/>
+        <p:txBody>
+          <a:bodyPr/>
+          <a:lstStyle/>
+          <a:p>
+            <a:fld id="{6D22F896-40B5-4ADD-8801-0D06FADFA095}" type="slidenum">
+              <a:rPr lang="en-US" smtClean="0"/>
+              <a:t>13</a:t>
+            </a:fld>
+            <a:endParaRPr lang="en-US" dirty="0"/>
+          </a:p>
+        </p:txBody>
+      </p:sp>
+      <p:pic>
+        <p:nvPicPr>
+          <p:cNvPr id="6" name="Picture 5" descr="ttps://visual-meta.com/wp-content/uploads/2015/10/gitflow.png"/>
+          <p:cNvPicPr/>
+          <p:nvPr/>
+        </p:nvPicPr>
+        <p:blipFill>
+          <a:blip r:embed="rId2">
+            <a:extLst>
+              <a:ext uri="{28A0092B-C50C-407E-A947-70E740481C1C}">
+                <a14:useLocalDpi xmlns:a14="http://schemas.microsoft.com/office/drawing/2010/main" val="0"/>
+              </a:ext>
+            </a:extLst>
+          </a:blip>
+          <a:srcRect/>
+          <a:stretch>
+            <a:fillRect/>
+          </a:stretch>
+        </p:blipFill>
+        <p:spPr bwMode="auto">
+          <a:xfrm>
+            <a:off x="7835582" y="1825625"/>
+            <a:ext cx="3624898" cy="4351338"/>
+          </a:xfrm>
+          <a:prstGeom prst="rect">
+            <a:avLst/>
+          </a:prstGeom>
+          <a:noFill/>
+          <a:ln>
+            <a:noFill/>
+          </a:ln>
+        </p:spPr>
+      </p:pic>
+    </p:spTree>
+    <p:extLst>
+      <p:ext uri="{BB962C8B-B14F-4D97-AF65-F5344CB8AC3E}">
+        <p14:creationId xmlns:p14="http://schemas.microsoft.com/office/powerpoint/2010/main" val="1672916427"/>
+      </p:ext>
+    </p:extLst>
+  </p:cSld>
+  <p:clrMapOvr>
+    <a:masterClrMapping/>
+  </p:clrMapOvr>
+  <p:timing>
+    <p:tnLst>
+      <p:par>
+        <p:cTn id="1" dur="indefinite" restart="never" nodeType="tmRoot"/>
+      </p:par>
+    </p:tnLst>
+  </p:timing>
+</p:sld>
+</file>
+
+<file path=ppt/slides/slide14.xml><?xml version="1.0" encoding="utf-8"?>
+<p:sld xmlns:a="http://schemas.openxmlformats.org/drawingml/2006/main" xmlns:r="http://schemas.openxmlformats.org/officeDocument/2006/relationships" xmlns:p="http://schemas.openxmlformats.org/presentationml/2006/main">
+  <p:cSld>
+    <p:spTree>
+      <p:nvGrpSpPr>
+        <p:cNvPr id="1" name=""/>
+        <p:cNvGrpSpPr/>
+        <p:nvPr/>
+      </p:nvGrpSpPr>
+      <p:grpSpPr>
+        <a:xfrm>
+          <a:off x="0" y="0"/>
+          <a:ext cx="0" cy="0"/>
+          <a:chOff x="0" y="0"/>
+          <a:chExt cx="0" cy="0"/>
+        </a:xfrm>
+      </p:grpSpPr>
+      <p:sp>
+        <p:nvSpPr>
+          <p:cNvPr id="2" name="Title 1"/>
+          <p:cNvSpPr>
+            <a:spLocks noGrp="1"/>
+          </p:cNvSpPr>
+          <p:nvPr>
+            <p:ph type="title"/>
+          </p:nvPr>
+        </p:nvSpPr>
+        <p:spPr/>
+        <p:txBody>
+          <a:bodyPr/>
+          <a:lstStyle/>
+          <a:p>
+            <a:r>
+              <a:rPr lang="vi-VN" dirty="0">
+                <a:latin typeface="Arial (Headings)"/>
+              </a:rPr>
+              <a:t>2. </a:t>
+            </a:r>
+            <a:r>
+              <a:rPr lang="en-US" dirty="0" err="1">
+                <a:latin typeface="Arial (Headings)"/>
+              </a:rPr>
+              <a:t>Quy</a:t>
+            </a:r>
+            <a:r>
+              <a:rPr lang="en-US" dirty="0">
+                <a:latin typeface="Arial (Headings)"/>
+              </a:rPr>
+              <a:t> </a:t>
+            </a:r>
+            <a:r>
+              <a:rPr lang="en-US" dirty="0" err="1">
+                <a:latin typeface="Arial (Headings)"/>
+              </a:rPr>
+              <a:t>trình</a:t>
+            </a:r>
+            <a:r>
+              <a:rPr lang="en-US" dirty="0">
+                <a:latin typeface="Arial (Headings)"/>
+              </a:rPr>
+              <a:t> </a:t>
+            </a:r>
+            <a:r>
+              <a:rPr lang="en-US" dirty="0" err="1">
+                <a:latin typeface="Arial (Headings)"/>
+              </a:rPr>
+              <a:t>kiểm</a:t>
+            </a:r>
+            <a:r>
+              <a:rPr lang="en-US" dirty="0">
+                <a:latin typeface="Arial (Headings)"/>
+              </a:rPr>
+              <a:t> </a:t>
+            </a:r>
+            <a:r>
+              <a:rPr lang="en-US" dirty="0" err="1">
+                <a:latin typeface="Arial (Headings)"/>
+              </a:rPr>
+              <a:t>thử</a:t>
+            </a:r>
+            <a:endParaRPr lang="en-US" dirty="0">
+              <a:latin typeface="Calibri" charset="0"/>
+              <a:ea typeface="Calibri" charset="0"/>
+              <a:cs typeface="Calibri" charset="0"/>
+            </a:endParaRPr>
+          </a:p>
+        </p:txBody>
+      </p:sp>
+      <p:sp>
+        <p:nvSpPr>
+          <p:cNvPr id="3" name="Content Placeholder 2"/>
+          <p:cNvSpPr>
+            <a:spLocks noGrp="1"/>
+          </p:cNvSpPr>
+          <p:nvPr>
+            <p:ph idx="1"/>
+          </p:nvPr>
+        </p:nvSpPr>
         <p:spPr/>
         <p:txBody>
           <a:bodyPr/>
@@ -11105,7 +11147,7 @@
           <a:p>
             <a:fld id="{6D22F896-40B5-4ADD-8801-0D06FADFA095}" type="slidenum">
               <a:rPr lang="en-US" smtClean="0"/>
-              <a:t>13</a:t>
+              <a:t>14</a:t>
             </a:fld>
             <a:endParaRPr lang="en-US" dirty="0"/>
           </a:p>
@@ -11161,7 +11203,7 @@
 </p:sld>
 </file>
 
-<file path=ppt/slides/slide14.xml><?xml version="1.0" encoding="utf-8"?>
+<file path=ppt/slides/slide15.xml><?xml version="1.0" encoding="utf-8"?>
 <p:sld xmlns:a="http://schemas.openxmlformats.org/drawingml/2006/main" xmlns:r="http://schemas.openxmlformats.org/officeDocument/2006/relationships" xmlns:p="http://schemas.openxmlformats.org/presentationml/2006/main">
   <p:cSld>
     <p:spTree>
@@ -11991,7 +12033,7 @@
           <a:p>
             <a:fld id="{6D22F896-40B5-4ADD-8801-0D06FADFA095}" type="slidenum">
               <a:rPr lang="en-US" smtClean="0"/>
-              <a:t>14</a:t>
+              <a:t>15</a:t>
             </a:fld>
             <a:endParaRPr lang="en-US" dirty="0"/>
           </a:p>
@@ -12047,7 +12089,7 @@
 </p:sld>
 </file>
 
-<file path=ppt/slides/slide15.xml><?xml version="1.0" encoding="utf-8"?>
+<file path=ppt/slides/slide16.xml><?xml version="1.0" encoding="utf-8"?>
 <p:sld xmlns:a="http://schemas.openxmlformats.org/drawingml/2006/main" xmlns:r="http://schemas.openxmlformats.org/officeDocument/2006/relationships" xmlns:p="http://schemas.openxmlformats.org/presentationml/2006/main">
   <p:cSld>
     <p:spTree>
@@ -12327,7 +12369,7 @@
           <a:p>
             <a:fld id="{6D22F896-40B5-4ADD-8801-0D06FADFA095}" type="slidenum">
               <a:rPr lang="en-US" smtClean="0"/>
-              <a:t>15</a:t>
+              <a:t>16</a:t>
             </a:fld>
             <a:endParaRPr lang="en-US" dirty="0"/>
           </a:p>
@@ -12353,7 +12395,7 @@
 </p:sld>
 </file>
 
-<file path=ppt/slides/slide16.xml><?xml version="1.0" encoding="utf-8"?>
+<file path=ppt/slides/slide17.xml><?xml version="1.0" encoding="utf-8"?>
 <p:sld xmlns:a="http://schemas.openxmlformats.org/drawingml/2006/main" xmlns:r="http://schemas.openxmlformats.org/officeDocument/2006/relationships" xmlns:p="http://schemas.openxmlformats.org/presentationml/2006/main">
   <p:cSld>
     <p:spTree>
@@ -12498,7 +12540,7 @@
           <a:p>
             <a:fld id="{6D22F896-40B5-4ADD-8801-0D06FADFA095}" type="slidenum">
               <a:rPr lang="en-US" smtClean="0"/>
-              <a:t>16</a:t>
+              <a:t>17</a:t>
             </a:fld>
             <a:endParaRPr lang="en-US" dirty="0"/>
           </a:p>
@@ -12554,7 +12596,7 @@
 </p:sld>
 </file>
 
-<file path=ppt/slides/slide17.xml><?xml version="1.0" encoding="utf-8"?>
+<file path=ppt/slides/slide18.xml><?xml version="1.0" encoding="utf-8"?>
 <p:sld xmlns:a="http://schemas.openxmlformats.org/drawingml/2006/main" xmlns:r="http://schemas.openxmlformats.org/officeDocument/2006/relationships" xmlns:p="http://schemas.openxmlformats.org/presentationml/2006/main">
   <p:cSld>
     <p:spTree>
@@ -12899,7 +12941,7 @@
           <a:p>
             <a:fld id="{6D22F896-40B5-4ADD-8801-0D06FADFA095}" type="slidenum">
               <a:rPr lang="en-US" smtClean="0"/>
-              <a:t>17</a:t>
+              <a:t>18</a:t>
             </a:fld>
             <a:endParaRPr lang="en-US" dirty="0"/>
           </a:p>
@@ -12955,7 +12997,7 @@
 </p:sld>
 </file>
 
-<file path=ppt/slides/slide18.xml><?xml version="1.0" encoding="utf-8"?>
+<file path=ppt/slides/slide19.xml><?xml version="1.0" encoding="utf-8"?>
 <p:sld xmlns:a="http://schemas.openxmlformats.org/drawingml/2006/main" xmlns:r="http://schemas.openxmlformats.org/officeDocument/2006/relationships" xmlns:p="http://schemas.openxmlformats.org/presentationml/2006/main">
   <p:cSld>
     <p:spTree>
@@ -13308,7 +13350,7 @@
           <a:p>
             <a:fld id="{6D22F896-40B5-4ADD-8801-0D06FADFA095}" type="slidenum">
               <a:rPr lang="en-US" smtClean="0"/>
-              <a:t>18</a:t>
+              <a:t>19</a:t>
             </a:fld>
             <a:endParaRPr lang="en-US" dirty="0"/>
           </a:p>
@@ -13364,7 +13406,7 @@
 </p:sld>
 </file>
 
-<file path=ppt/slides/slide19.xml><?xml version="1.0" encoding="utf-8"?>
+<file path=ppt/slides/slide2.xml><?xml version="1.0" encoding="utf-8"?>
 <p:sld xmlns:a="http://schemas.openxmlformats.org/drawingml/2006/main" xmlns:r="http://schemas.openxmlformats.org/officeDocument/2006/relationships" xmlns:p="http://schemas.openxmlformats.org/presentationml/2006/main">
   <p:cSld>
     <p:spTree>
@@ -13397,6 +13439,294 @@
           <a:lstStyle/>
           <a:p>
             <a:r>
+              <a:rPr lang="vi-VN" dirty="0">
+                <a:latin typeface="Arial (Headings)"/>
+              </a:rPr>
+              <a:t>Nội dung</a:t>
+            </a:r>
+            <a:r>
+              <a:rPr lang="en-US" dirty="0">
+                <a:latin typeface="Arial (Headings)"/>
+              </a:rPr>
+              <a:t> </a:t>
+            </a:r>
+            <a:endParaRPr lang="en-US" dirty="0">
+              <a:latin typeface="Arial (Headings)"/>
+              <a:ea typeface="Calibri" charset="0"/>
+              <a:cs typeface="Calibri" charset="0"/>
+            </a:endParaRPr>
+          </a:p>
+        </p:txBody>
+      </p:sp>
+      <p:sp>
+        <p:nvSpPr>
+          <p:cNvPr id="3" name="Content Placeholder 2"/>
+          <p:cNvSpPr>
+            <a:spLocks noGrp="1"/>
+          </p:cNvSpPr>
+          <p:nvPr>
+            <p:ph idx="1"/>
+          </p:nvPr>
+        </p:nvSpPr>
+        <p:spPr/>
+        <p:txBody>
+          <a:bodyPr/>
+          <a:lstStyle/>
+          <a:p>
+            <a:pPr marL="514350" indent="-514350">
+              <a:buFont typeface="+mj-lt"/>
+              <a:buAutoNum type="arabicPeriod"/>
+            </a:pPr>
+            <a:r>
+              <a:rPr lang="vi-VN" dirty="0">
+                <a:latin typeface="Arial (Body)"/>
+              </a:rPr>
+              <a:t>Cơ sở lý thuyết và </a:t>
+            </a:r>
+            <a:r>
+              <a:rPr lang="en-US" dirty="0" err="1" smtClean="0">
+                <a:latin typeface="Arial (Body)"/>
+              </a:rPr>
+              <a:t>thực</a:t>
+            </a:r>
+            <a:r>
+              <a:rPr lang="en-US" dirty="0" smtClean="0">
+                <a:latin typeface="Arial (Body)"/>
+              </a:rPr>
+              <a:t> </a:t>
+            </a:r>
+            <a:r>
+              <a:rPr lang="en-US" dirty="0" err="1" smtClean="0">
+                <a:latin typeface="Arial (Body)"/>
+              </a:rPr>
+              <a:t>trạng</a:t>
+            </a:r>
+            <a:endParaRPr lang="en-US" dirty="0">
+              <a:latin typeface="Arial (Body)"/>
+            </a:endParaRPr>
+          </a:p>
+          <a:p>
+            <a:pPr marL="514350" indent="-514350">
+              <a:buFont typeface="+mj-lt"/>
+              <a:buAutoNum type="arabicPeriod"/>
+            </a:pPr>
+            <a:r>
+              <a:rPr lang="en-US" dirty="0" err="1">
+                <a:latin typeface="Arial (Headings)"/>
+              </a:rPr>
+              <a:t>Quy</a:t>
+            </a:r>
+            <a:r>
+              <a:rPr lang="en-US" dirty="0">
+                <a:latin typeface="Arial (Headings)"/>
+              </a:rPr>
+              <a:t> </a:t>
+            </a:r>
+            <a:r>
+              <a:rPr lang="en-US" dirty="0" err="1">
+                <a:latin typeface="Arial (Headings)"/>
+              </a:rPr>
+              <a:t>trình</a:t>
+            </a:r>
+            <a:r>
+              <a:rPr lang="en-US" dirty="0">
+                <a:latin typeface="Arial (Headings)"/>
+              </a:rPr>
+              <a:t> </a:t>
+            </a:r>
+            <a:r>
+              <a:rPr lang="en-US" dirty="0" err="1">
+                <a:latin typeface="Arial (Headings)"/>
+              </a:rPr>
+              <a:t>kiểm</a:t>
+            </a:r>
+            <a:r>
+              <a:rPr lang="en-US" dirty="0">
+                <a:latin typeface="Arial (Headings)"/>
+              </a:rPr>
+              <a:t> </a:t>
+            </a:r>
+            <a:r>
+              <a:rPr lang="en-US" dirty="0" err="1" smtClean="0">
+                <a:latin typeface="Arial (Headings)"/>
+              </a:rPr>
+              <a:t>thử</a:t>
+            </a:r>
+            <a:endParaRPr lang="en-US" dirty="0">
+              <a:latin typeface="Arial (Body)"/>
+            </a:endParaRPr>
+          </a:p>
+          <a:p>
+            <a:pPr marL="514350" indent="-514350">
+              <a:buFont typeface="+mj-lt"/>
+              <a:buAutoNum type="arabicPeriod"/>
+            </a:pPr>
+            <a:r>
+              <a:rPr lang="en-US" dirty="0" err="1" smtClean="0">
+                <a:latin typeface="Arial (Body)"/>
+              </a:rPr>
+              <a:t>Xây</a:t>
+            </a:r>
+            <a:r>
+              <a:rPr lang="en-US" dirty="0" smtClean="0">
+                <a:latin typeface="Arial (Body)"/>
+              </a:rPr>
+              <a:t> </a:t>
+            </a:r>
+            <a:r>
+              <a:rPr lang="en-US" dirty="0" err="1" smtClean="0">
+                <a:latin typeface="Arial (Body)"/>
+              </a:rPr>
+              <a:t>dựng</a:t>
+            </a:r>
+            <a:r>
+              <a:rPr lang="en-US" dirty="0" smtClean="0">
+                <a:latin typeface="Arial (Body)"/>
+              </a:rPr>
+              <a:t> </a:t>
+            </a:r>
+            <a:r>
+              <a:rPr lang="en-US" dirty="0" err="1" smtClean="0">
+                <a:latin typeface="Arial (Body)"/>
+              </a:rPr>
+              <a:t>công</a:t>
+            </a:r>
+            <a:r>
+              <a:rPr lang="en-US" dirty="0" smtClean="0">
+                <a:latin typeface="Arial (Body)"/>
+              </a:rPr>
+              <a:t> </a:t>
+            </a:r>
+            <a:r>
+              <a:rPr lang="en-US" dirty="0" err="1" smtClean="0">
+                <a:latin typeface="Arial (Body)"/>
+              </a:rPr>
+              <a:t>cụ</a:t>
+            </a:r>
+            <a:endParaRPr lang="en-US" dirty="0">
+              <a:latin typeface="Arial (Body)"/>
+            </a:endParaRPr>
+          </a:p>
+          <a:p>
+            <a:pPr marL="514350" indent="-514350">
+              <a:buFont typeface="+mj-lt"/>
+              <a:buAutoNum type="arabicPeriod"/>
+            </a:pPr>
+            <a:r>
+              <a:rPr lang="en-US" dirty="0" err="1" smtClean="0">
+                <a:latin typeface="Arial (Body)"/>
+              </a:rPr>
+              <a:t>Kết</a:t>
+            </a:r>
+            <a:r>
+              <a:rPr lang="en-US" dirty="0" smtClean="0">
+                <a:latin typeface="Arial (Body)"/>
+              </a:rPr>
+              <a:t> </a:t>
+            </a:r>
+            <a:r>
+              <a:rPr lang="en-US" dirty="0" err="1" smtClean="0">
+                <a:latin typeface="Arial (Body)"/>
+              </a:rPr>
+              <a:t>quả</a:t>
+            </a:r>
+            <a:endParaRPr lang="vi-VN" dirty="0">
+              <a:latin typeface="Arial (Body)"/>
+            </a:endParaRPr>
+          </a:p>
+          <a:p>
+            <a:pPr marL="514350" indent="-514350">
+              <a:buFont typeface="+mj-lt"/>
+              <a:buAutoNum type="arabicPeriod"/>
+            </a:pPr>
+            <a:r>
+              <a:rPr lang="vi-VN" dirty="0">
+                <a:latin typeface="Arial (Body)"/>
+              </a:rPr>
+              <a:t>Tài liệu tham khảo</a:t>
+            </a:r>
+            <a:endParaRPr lang="en-US" dirty="0">
+              <a:latin typeface="Arial (Body)"/>
+            </a:endParaRPr>
+          </a:p>
+        </p:txBody>
+      </p:sp>
+      <p:sp>
+        <p:nvSpPr>
+          <p:cNvPr id="4" name="Slide Number Placeholder 3"/>
+          <p:cNvSpPr>
+            <a:spLocks noGrp="1"/>
+          </p:cNvSpPr>
+          <p:nvPr>
+            <p:ph type="sldNum" sz="quarter" idx="12"/>
+          </p:nvPr>
+        </p:nvSpPr>
+        <p:spPr/>
+        <p:txBody>
+          <a:bodyPr/>
+          <a:lstStyle/>
+          <a:p>
+            <a:fld id="{6D22F896-40B5-4ADD-8801-0D06FADFA095}" type="slidenum">
+              <a:rPr lang="en-US" smtClean="0"/>
+              <a:t>2</a:t>
+            </a:fld>
+            <a:endParaRPr lang="en-US" dirty="0"/>
+          </a:p>
+        </p:txBody>
+      </p:sp>
+    </p:spTree>
+    <p:extLst>
+      <p:ext uri="{BB962C8B-B14F-4D97-AF65-F5344CB8AC3E}">
+        <p14:creationId xmlns:p14="http://schemas.microsoft.com/office/powerpoint/2010/main" val="359796407"/>
+      </p:ext>
+    </p:extLst>
+  </p:cSld>
+  <p:clrMapOvr>
+    <a:masterClrMapping/>
+  </p:clrMapOvr>
+  <p:timing>
+    <p:tnLst>
+      <p:par>
+        <p:cTn id="1" dur="indefinite" restart="never" nodeType="tmRoot"/>
+      </p:par>
+    </p:tnLst>
+  </p:timing>
+</p:sld>
+</file>
+
+<file path=ppt/slides/slide20.xml><?xml version="1.0" encoding="utf-8"?>
+<p:sld xmlns:a="http://schemas.openxmlformats.org/drawingml/2006/main" xmlns:r="http://schemas.openxmlformats.org/officeDocument/2006/relationships" xmlns:p="http://schemas.openxmlformats.org/presentationml/2006/main">
+  <p:cSld>
+    <p:spTree>
+      <p:nvGrpSpPr>
+        <p:cNvPr id="1" name=""/>
+        <p:cNvGrpSpPr/>
+        <p:nvPr/>
+      </p:nvGrpSpPr>
+      <p:grpSpPr>
+        <a:xfrm>
+          <a:off x="0" y="0"/>
+          <a:ext cx="0" cy="0"/>
+          <a:chOff x="0" y="0"/>
+          <a:chExt cx="0" cy="0"/>
+        </a:xfrm>
+      </p:grpSpPr>
+      <p:sp>
+        <p:nvSpPr>
+          <p:cNvPr id="2" name="Title 1"/>
+          <p:cNvSpPr>
+            <a:spLocks noGrp="1"/>
+          </p:cNvSpPr>
+          <p:nvPr>
+            <p:ph type="title"/>
+          </p:nvPr>
+        </p:nvSpPr>
+        <p:spPr/>
+        <p:txBody>
+          <a:bodyPr/>
+          <a:lstStyle/>
+          <a:p>
+            <a:r>
               <a:rPr lang="en-US" dirty="0" smtClean="0">
                 <a:latin typeface="Arial (Headings)"/>
               </a:rPr>
@@ -13886,7 +14216,7 @@
           <a:p>
             <a:fld id="{6D22F896-40B5-4ADD-8801-0D06FADFA095}" type="slidenum">
               <a:rPr lang="en-US" smtClean="0"/>
-              <a:t>19</a:t>
+              <a:t>20</a:t>
             </a:fld>
             <a:endParaRPr lang="en-US" dirty="0"/>
           </a:p>
@@ -13942,7 +14272,7 @@
 </p:sld>
 </file>
 
-<file path=ppt/slides/slide2.xml><?xml version="1.0" encoding="utf-8"?>
+<file path=ppt/slides/slide21.xml><?xml version="1.0" encoding="utf-8"?>
 <p:sld xmlns:a="http://schemas.openxmlformats.org/drawingml/2006/main" xmlns:r="http://schemas.openxmlformats.org/officeDocument/2006/relationships" xmlns:p="http://schemas.openxmlformats.org/presentationml/2006/main">
   <p:cSld>
     <p:spTree>
@@ -13975,294 +14305,6 @@
           <a:lstStyle/>
           <a:p>
             <a:r>
-              <a:rPr lang="vi-VN" dirty="0">
-                <a:latin typeface="Arial (Headings)"/>
-              </a:rPr>
-              <a:t>Nội dung</a:t>
-            </a:r>
-            <a:r>
-              <a:rPr lang="en-US" dirty="0">
-                <a:latin typeface="Arial (Headings)"/>
-              </a:rPr>
-              <a:t> </a:t>
-            </a:r>
-            <a:endParaRPr lang="en-US" dirty="0">
-              <a:latin typeface="Arial (Headings)"/>
-              <a:ea typeface="Calibri" charset="0"/>
-              <a:cs typeface="Calibri" charset="0"/>
-            </a:endParaRPr>
-          </a:p>
-        </p:txBody>
-      </p:sp>
-      <p:sp>
-        <p:nvSpPr>
-          <p:cNvPr id="3" name="Content Placeholder 2"/>
-          <p:cNvSpPr>
-            <a:spLocks noGrp="1"/>
-          </p:cNvSpPr>
-          <p:nvPr>
-            <p:ph idx="1"/>
-          </p:nvPr>
-        </p:nvSpPr>
-        <p:spPr/>
-        <p:txBody>
-          <a:bodyPr/>
-          <a:lstStyle/>
-          <a:p>
-            <a:pPr marL="514350" indent="-514350">
-              <a:buFont typeface="+mj-lt"/>
-              <a:buAutoNum type="arabicPeriod"/>
-            </a:pPr>
-            <a:r>
-              <a:rPr lang="vi-VN" dirty="0">
-                <a:latin typeface="Arial (Body)"/>
-              </a:rPr>
-              <a:t>Cơ sở lý thuyết và </a:t>
-            </a:r>
-            <a:r>
-              <a:rPr lang="en-US" dirty="0" err="1" smtClean="0">
-                <a:latin typeface="Arial (Body)"/>
-              </a:rPr>
-              <a:t>thực</a:t>
-            </a:r>
-            <a:r>
-              <a:rPr lang="en-US" dirty="0" smtClean="0">
-                <a:latin typeface="Arial (Body)"/>
-              </a:rPr>
-              <a:t> </a:t>
-            </a:r>
-            <a:r>
-              <a:rPr lang="en-US" dirty="0" err="1" smtClean="0">
-                <a:latin typeface="Arial (Body)"/>
-              </a:rPr>
-              <a:t>trạng</a:t>
-            </a:r>
-            <a:endParaRPr lang="en-US" dirty="0">
-              <a:latin typeface="Arial (Body)"/>
-            </a:endParaRPr>
-          </a:p>
-          <a:p>
-            <a:pPr marL="514350" indent="-514350">
-              <a:buFont typeface="+mj-lt"/>
-              <a:buAutoNum type="arabicPeriod"/>
-            </a:pPr>
-            <a:r>
-              <a:rPr lang="en-US" dirty="0" err="1">
-                <a:latin typeface="Arial (Headings)"/>
-              </a:rPr>
-              <a:t>Quy</a:t>
-            </a:r>
-            <a:r>
-              <a:rPr lang="en-US" dirty="0">
-                <a:latin typeface="Arial (Headings)"/>
-              </a:rPr>
-              <a:t> </a:t>
-            </a:r>
-            <a:r>
-              <a:rPr lang="en-US" dirty="0" err="1">
-                <a:latin typeface="Arial (Headings)"/>
-              </a:rPr>
-              <a:t>trình</a:t>
-            </a:r>
-            <a:r>
-              <a:rPr lang="en-US" dirty="0">
-                <a:latin typeface="Arial (Headings)"/>
-              </a:rPr>
-              <a:t> </a:t>
-            </a:r>
-            <a:r>
-              <a:rPr lang="en-US" dirty="0" err="1">
-                <a:latin typeface="Arial (Headings)"/>
-              </a:rPr>
-              <a:t>kiểm</a:t>
-            </a:r>
-            <a:r>
-              <a:rPr lang="en-US" dirty="0">
-                <a:latin typeface="Arial (Headings)"/>
-              </a:rPr>
-              <a:t> </a:t>
-            </a:r>
-            <a:r>
-              <a:rPr lang="en-US" dirty="0" err="1" smtClean="0">
-                <a:latin typeface="Arial (Headings)"/>
-              </a:rPr>
-              <a:t>thử</a:t>
-            </a:r>
-            <a:endParaRPr lang="en-US" dirty="0">
-              <a:latin typeface="Arial (Body)"/>
-            </a:endParaRPr>
-          </a:p>
-          <a:p>
-            <a:pPr marL="514350" indent="-514350">
-              <a:buFont typeface="+mj-lt"/>
-              <a:buAutoNum type="arabicPeriod"/>
-            </a:pPr>
-            <a:r>
-              <a:rPr lang="en-US" dirty="0" err="1" smtClean="0">
-                <a:latin typeface="Arial (Body)"/>
-              </a:rPr>
-              <a:t>Xây</a:t>
-            </a:r>
-            <a:r>
-              <a:rPr lang="en-US" dirty="0" smtClean="0">
-                <a:latin typeface="Arial (Body)"/>
-              </a:rPr>
-              <a:t> </a:t>
-            </a:r>
-            <a:r>
-              <a:rPr lang="en-US" dirty="0" err="1" smtClean="0">
-                <a:latin typeface="Arial (Body)"/>
-              </a:rPr>
-              <a:t>dựng</a:t>
-            </a:r>
-            <a:r>
-              <a:rPr lang="en-US" dirty="0" smtClean="0">
-                <a:latin typeface="Arial (Body)"/>
-              </a:rPr>
-              <a:t> </a:t>
-            </a:r>
-            <a:r>
-              <a:rPr lang="en-US" dirty="0" err="1" smtClean="0">
-                <a:latin typeface="Arial (Body)"/>
-              </a:rPr>
-              <a:t>công</a:t>
-            </a:r>
-            <a:r>
-              <a:rPr lang="en-US" dirty="0" smtClean="0">
-                <a:latin typeface="Arial (Body)"/>
-              </a:rPr>
-              <a:t> </a:t>
-            </a:r>
-            <a:r>
-              <a:rPr lang="en-US" dirty="0" err="1" smtClean="0">
-                <a:latin typeface="Arial (Body)"/>
-              </a:rPr>
-              <a:t>cụ</a:t>
-            </a:r>
-            <a:endParaRPr lang="en-US" dirty="0">
-              <a:latin typeface="Arial (Body)"/>
-            </a:endParaRPr>
-          </a:p>
-          <a:p>
-            <a:pPr marL="514350" indent="-514350">
-              <a:buFont typeface="+mj-lt"/>
-              <a:buAutoNum type="arabicPeriod"/>
-            </a:pPr>
-            <a:r>
-              <a:rPr lang="en-US" dirty="0" err="1" smtClean="0">
-                <a:latin typeface="Arial (Body)"/>
-              </a:rPr>
-              <a:t>Kết</a:t>
-            </a:r>
-            <a:r>
-              <a:rPr lang="en-US" dirty="0" smtClean="0">
-                <a:latin typeface="Arial (Body)"/>
-              </a:rPr>
-              <a:t> </a:t>
-            </a:r>
-            <a:r>
-              <a:rPr lang="en-US" dirty="0" err="1" smtClean="0">
-                <a:latin typeface="Arial (Body)"/>
-              </a:rPr>
-              <a:t>quả</a:t>
-            </a:r>
-            <a:endParaRPr lang="vi-VN" dirty="0">
-              <a:latin typeface="Arial (Body)"/>
-            </a:endParaRPr>
-          </a:p>
-          <a:p>
-            <a:pPr marL="514350" indent="-514350">
-              <a:buFont typeface="+mj-lt"/>
-              <a:buAutoNum type="arabicPeriod"/>
-            </a:pPr>
-            <a:r>
-              <a:rPr lang="vi-VN" dirty="0">
-                <a:latin typeface="Arial (Body)"/>
-              </a:rPr>
-              <a:t>Tài liệu tham khảo</a:t>
-            </a:r>
-            <a:endParaRPr lang="en-US" dirty="0">
-              <a:latin typeface="Arial (Body)"/>
-            </a:endParaRPr>
-          </a:p>
-        </p:txBody>
-      </p:sp>
-      <p:sp>
-        <p:nvSpPr>
-          <p:cNvPr id="4" name="Slide Number Placeholder 3"/>
-          <p:cNvSpPr>
-            <a:spLocks noGrp="1"/>
-          </p:cNvSpPr>
-          <p:nvPr>
-            <p:ph type="sldNum" sz="quarter" idx="12"/>
-          </p:nvPr>
-        </p:nvSpPr>
-        <p:spPr/>
-        <p:txBody>
-          <a:bodyPr/>
-          <a:lstStyle/>
-          <a:p>
-            <a:fld id="{6D22F896-40B5-4ADD-8801-0D06FADFA095}" type="slidenum">
-              <a:rPr lang="en-US" smtClean="0"/>
-              <a:t>2</a:t>
-            </a:fld>
-            <a:endParaRPr lang="en-US" dirty="0"/>
-          </a:p>
-        </p:txBody>
-      </p:sp>
-    </p:spTree>
-    <p:extLst>
-      <p:ext uri="{BB962C8B-B14F-4D97-AF65-F5344CB8AC3E}">
-        <p14:creationId xmlns:p14="http://schemas.microsoft.com/office/powerpoint/2010/main" val="359796407"/>
-      </p:ext>
-    </p:extLst>
-  </p:cSld>
-  <p:clrMapOvr>
-    <a:masterClrMapping/>
-  </p:clrMapOvr>
-  <p:timing>
-    <p:tnLst>
-      <p:par>
-        <p:cTn id="1" dur="indefinite" restart="never" nodeType="tmRoot"/>
-      </p:par>
-    </p:tnLst>
-  </p:timing>
-</p:sld>
-</file>
-
-<file path=ppt/slides/slide20.xml><?xml version="1.0" encoding="utf-8"?>
-<p:sld xmlns:a="http://schemas.openxmlformats.org/drawingml/2006/main" xmlns:r="http://schemas.openxmlformats.org/officeDocument/2006/relationships" xmlns:p="http://schemas.openxmlformats.org/presentationml/2006/main">
-  <p:cSld>
-    <p:spTree>
-      <p:nvGrpSpPr>
-        <p:cNvPr id="1" name=""/>
-        <p:cNvGrpSpPr/>
-        <p:nvPr/>
-      </p:nvGrpSpPr>
-      <p:grpSpPr>
-        <a:xfrm>
-          <a:off x="0" y="0"/>
-          <a:ext cx="0" cy="0"/>
-          <a:chOff x="0" y="0"/>
-          <a:chExt cx="0" cy="0"/>
-        </a:xfrm>
-      </p:grpSpPr>
-      <p:sp>
-        <p:nvSpPr>
-          <p:cNvPr id="2" name="Title 1"/>
-          <p:cNvSpPr>
-            <a:spLocks noGrp="1"/>
-          </p:cNvSpPr>
-          <p:nvPr>
-            <p:ph type="title"/>
-          </p:nvPr>
-        </p:nvSpPr>
-        <p:spPr/>
-        <p:txBody>
-          <a:bodyPr/>
-          <a:lstStyle/>
-          <a:p>
-            <a:r>
               <a:rPr lang="en-US" dirty="0" smtClean="0">
                 <a:latin typeface="Arial (Headings)"/>
               </a:rPr>
@@ -14373,7 +14415,7 @@
           <a:p>
             <a:fld id="{6D22F896-40B5-4ADD-8801-0D06FADFA095}" type="slidenum">
               <a:rPr lang="en-US" smtClean="0"/>
-              <a:t>20</a:t>
+              <a:t>21</a:t>
             </a:fld>
             <a:endParaRPr lang="en-US" dirty="0"/>
           </a:p>
@@ -14429,7 +14471,7 @@
 </p:sld>
 </file>
 
-<file path=ppt/slides/slide21.xml><?xml version="1.0" encoding="utf-8"?>
+<file path=ppt/slides/slide22.xml><?xml version="1.0" encoding="utf-8"?>
 <p:sld xmlns:a="http://schemas.openxmlformats.org/drawingml/2006/main" xmlns:r="http://schemas.openxmlformats.org/officeDocument/2006/relationships" xmlns:p="http://schemas.openxmlformats.org/presentationml/2006/main">
   <p:cSld>
     <p:spTree>
@@ -14572,7 +14614,7 @@
           <a:p>
             <a:fld id="{6D22F896-40B5-4ADD-8801-0D06FADFA095}" type="slidenum">
               <a:rPr lang="en-US" smtClean="0"/>
-              <a:t>21</a:t>
+              <a:t>22</a:t>
             </a:fld>
             <a:endParaRPr lang="en-US" dirty="0"/>
           </a:p>
@@ -14628,7 +14670,7 @@
 </p:sld>
 </file>
 
-<file path=ppt/slides/slide22.xml><?xml version="1.0" encoding="utf-8"?>
+<file path=ppt/slides/slide23.xml><?xml version="1.0" encoding="utf-8"?>
 <p:sld xmlns:a="http://schemas.openxmlformats.org/drawingml/2006/main" xmlns:r="http://schemas.openxmlformats.org/officeDocument/2006/relationships" xmlns:p="http://schemas.openxmlformats.org/presentationml/2006/main">
   <p:cSld>
     <p:spTree>
@@ -15054,7 +15096,7 @@
           <a:p>
             <a:fld id="{6D22F896-40B5-4ADD-8801-0D06FADFA095}" type="slidenum">
               <a:rPr lang="en-US" smtClean="0"/>
-              <a:t>22</a:t>
+              <a:t>23</a:t>
             </a:fld>
             <a:endParaRPr lang="en-US" dirty="0"/>
           </a:p>
@@ -15140,7 +15182,7 @@
 </p:sld>
 </file>
 
-<file path=ppt/slides/slide23.xml><?xml version="1.0" encoding="utf-8"?>
+<file path=ppt/slides/slide24.xml><?xml version="1.0" encoding="utf-8"?>
 <p:sld xmlns:a="http://schemas.openxmlformats.org/drawingml/2006/main" xmlns:r="http://schemas.openxmlformats.org/officeDocument/2006/relationships" xmlns:p="http://schemas.openxmlformats.org/presentationml/2006/main">
   <p:cSld>
     <p:spTree>
@@ -15314,7 +15356,7 @@
           <a:p>
             <a:fld id="{6D22F896-40B5-4ADD-8801-0D06FADFA095}" type="slidenum">
               <a:rPr lang="en-US" smtClean="0"/>
-              <a:t>23</a:t>
+              <a:t>24</a:t>
             </a:fld>
             <a:endParaRPr lang="en-US" dirty="0"/>
           </a:p>
@@ -15370,7 +15412,7 @@
 </p:sld>
 </file>
 
-<file path=ppt/slides/slide24.xml><?xml version="1.0" encoding="utf-8"?>
+<file path=ppt/slides/slide25.xml><?xml version="1.0" encoding="utf-8"?>
 <p:sld xmlns:a="http://schemas.openxmlformats.org/drawingml/2006/main" xmlns:r="http://schemas.openxmlformats.org/officeDocument/2006/relationships" xmlns:p="http://schemas.openxmlformats.org/presentationml/2006/main">
   <p:cSld>
     <p:spTree>
@@ -15516,7 +15558,7 @@
           <a:p>
             <a:fld id="{6D22F896-40B5-4ADD-8801-0D06FADFA095}" type="slidenum">
               <a:rPr lang="en-US" smtClean="0"/>
-              <a:t>24</a:t>
+              <a:t>25</a:t>
             </a:fld>
             <a:endParaRPr lang="en-US" dirty="0"/>
           </a:p>
@@ -15570,624 +15612,6 @@
 </p:sld>
 </file>
 
-<file path=ppt/slides/slide25.xml><?xml version="1.0" encoding="utf-8"?>
-<p:sld xmlns:a="http://schemas.openxmlformats.org/drawingml/2006/main" xmlns:r="http://schemas.openxmlformats.org/officeDocument/2006/relationships" xmlns:p="http://schemas.openxmlformats.org/presentationml/2006/main">
-  <p:cSld>
-    <p:spTree>
-      <p:nvGrpSpPr>
-        <p:cNvPr id="1" name=""/>
-        <p:cNvGrpSpPr/>
-        <p:nvPr/>
-      </p:nvGrpSpPr>
-      <p:grpSpPr>
-        <a:xfrm>
-          <a:off x="0" y="0"/>
-          <a:ext cx="0" cy="0"/>
-          <a:chOff x="0" y="0"/>
-          <a:chExt cx="0" cy="0"/>
-        </a:xfrm>
-      </p:grpSpPr>
-      <p:sp>
-        <p:nvSpPr>
-          <p:cNvPr id="2" name="Title 1"/>
-          <p:cNvSpPr>
-            <a:spLocks noGrp="1"/>
-          </p:cNvSpPr>
-          <p:nvPr>
-            <p:ph type="title"/>
-          </p:nvPr>
-        </p:nvSpPr>
-        <p:spPr/>
-        <p:txBody>
-          <a:bodyPr>
-            <a:normAutofit/>
-          </a:bodyPr>
-          <a:lstStyle/>
-          <a:p>
-            <a:r>
-              <a:rPr lang="en-US" dirty="0">
-                <a:latin typeface="Arial (Headings)"/>
-              </a:rPr>
-              <a:t>4</a:t>
-            </a:r>
-            <a:r>
-              <a:rPr lang="vi-VN" dirty="0" smtClean="0"/>
-              <a:t>. Kết quả</a:t>
-            </a:r>
-            <a:endParaRPr lang="en-US" dirty="0">
-              <a:latin typeface="Calibri" charset="0"/>
-              <a:ea typeface="Calibri" charset="0"/>
-              <a:cs typeface="Calibri" charset="0"/>
-            </a:endParaRPr>
-          </a:p>
-        </p:txBody>
-      </p:sp>
-      <p:sp>
-        <p:nvSpPr>
-          <p:cNvPr id="3" name="Content Placeholder 2"/>
-          <p:cNvSpPr>
-            <a:spLocks noGrp="1"/>
-          </p:cNvSpPr>
-          <p:nvPr>
-            <p:ph idx="1"/>
-          </p:nvPr>
-        </p:nvSpPr>
-        <p:spPr/>
-        <p:txBody>
-          <a:bodyPr>
-            <a:normAutofit/>
-          </a:bodyPr>
-          <a:lstStyle/>
-          <a:p>
-            <a:r>
-              <a:rPr lang="en-US" dirty="0" err="1">
-                <a:latin typeface="Arial (Body)"/>
-              </a:rPr>
-              <a:t>Kết</a:t>
-            </a:r>
-            <a:r>
-              <a:rPr lang="en-US" dirty="0">
-                <a:latin typeface="Arial (Body)"/>
-              </a:rPr>
-              <a:t> </a:t>
-            </a:r>
-            <a:r>
-              <a:rPr lang="en-US" dirty="0" err="1">
-                <a:latin typeface="Arial (Body)"/>
-              </a:rPr>
-              <a:t>quả</a:t>
-            </a:r>
-            <a:r>
-              <a:rPr lang="en-US" dirty="0">
-                <a:latin typeface="Arial (Body)"/>
-              </a:rPr>
-              <a:t>:</a:t>
-            </a:r>
-          </a:p>
-          <a:p>
-            <a:pPr lvl="1"/>
-            <a:r>
-              <a:rPr lang="en-US" dirty="0" err="1" smtClean="0">
-                <a:latin typeface="Arial (Body)"/>
-              </a:rPr>
-              <a:t>Hoàn</a:t>
-            </a:r>
-            <a:r>
-              <a:rPr lang="en-US" dirty="0" smtClean="0">
-                <a:latin typeface="Arial (Body)"/>
-              </a:rPr>
-              <a:t> </a:t>
-            </a:r>
-            <a:r>
-              <a:rPr lang="en-US" dirty="0" err="1">
-                <a:latin typeface="Arial (Body)"/>
-              </a:rPr>
-              <a:t>thiện</a:t>
-            </a:r>
-            <a:r>
-              <a:rPr lang="en-US" dirty="0">
-                <a:latin typeface="Arial (Body)"/>
-              </a:rPr>
-              <a:t> </a:t>
-            </a:r>
-            <a:r>
-              <a:rPr lang="en-US" dirty="0" err="1">
-                <a:latin typeface="Arial (Body)"/>
-              </a:rPr>
-              <a:t>quá</a:t>
-            </a:r>
-            <a:r>
-              <a:rPr lang="en-US" dirty="0">
-                <a:latin typeface="Arial (Body)"/>
-              </a:rPr>
-              <a:t> </a:t>
-            </a:r>
-            <a:r>
-              <a:rPr lang="en-US" dirty="0" err="1">
-                <a:latin typeface="Arial (Body)"/>
-              </a:rPr>
-              <a:t>trình</a:t>
-            </a:r>
-            <a:r>
-              <a:rPr lang="en-US" dirty="0">
-                <a:latin typeface="Arial (Body)"/>
-              </a:rPr>
-              <a:t> </a:t>
-            </a:r>
-            <a:r>
-              <a:rPr lang="en-US" dirty="0" err="1">
-                <a:latin typeface="Arial (Body)"/>
-              </a:rPr>
-              <a:t>kiểm</a:t>
-            </a:r>
-            <a:r>
-              <a:rPr lang="en-US" dirty="0">
-                <a:latin typeface="Arial (Body)"/>
-              </a:rPr>
-              <a:t> </a:t>
-            </a:r>
-            <a:r>
-              <a:rPr lang="en-US" dirty="0" err="1">
-                <a:latin typeface="Arial (Body)"/>
-              </a:rPr>
-              <a:t>thử</a:t>
-            </a:r>
-            <a:r>
-              <a:rPr lang="en-US" dirty="0">
-                <a:latin typeface="Arial (Body)"/>
-              </a:rPr>
-              <a:t> </a:t>
-            </a:r>
-            <a:r>
-              <a:rPr lang="en-US" dirty="0" err="1">
-                <a:latin typeface="Arial (Body)"/>
-              </a:rPr>
-              <a:t>tích</a:t>
-            </a:r>
-            <a:r>
-              <a:rPr lang="en-US" dirty="0">
-                <a:latin typeface="Arial (Body)"/>
-              </a:rPr>
-              <a:t> </a:t>
-            </a:r>
-            <a:r>
-              <a:rPr lang="en-US" dirty="0" err="1">
-                <a:latin typeface="Arial (Body)"/>
-              </a:rPr>
-              <a:t>hợp</a:t>
-            </a:r>
-            <a:r>
-              <a:rPr lang="en-US" dirty="0">
-                <a:latin typeface="Arial (Body)"/>
-              </a:rPr>
-              <a:t> </a:t>
-            </a:r>
-            <a:r>
-              <a:rPr lang="en-US" dirty="0" err="1">
-                <a:latin typeface="Arial (Body)"/>
-              </a:rPr>
-              <a:t>và</a:t>
-            </a:r>
-            <a:r>
-              <a:rPr lang="en-US" dirty="0">
-                <a:latin typeface="Arial (Body)"/>
-              </a:rPr>
-              <a:t> </a:t>
-            </a:r>
-            <a:r>
-              <a:rPr lang="en-US" dirty="0" err="1">
-                <a:latin typeface="Arial (Body)"/>
-              </a:rPr>
-              <a:t>tự</a:t>
-            </a:r>
-            <a:r>
-              <a:rPr lang="en-US" dirty="0">
-                <a:latin typeface="Arial (Body)"/>
-              </a:rPr>
-              <a:t> </a:t>
-            </a:r>
-            <a:r>
-              <a:rPr lang="en-US" dirty="0" err="1" smtClean="0">
-                <a:latin typeface="Arial (Body)"/>
-              </a:rPr>
-              <a:t>động</a:t>
-            </a:r>
-            <a:r>
-              <a:rPr lang="en-US" dirty="0" smtClean="0">
-                <a:latin typeface="Arial (Body)"/>
-              </a:rPr>
-              <a:t> </a:t>
-            </a:r>
-            <a:r>
-              <a:rPr lang="en-US" dirty="0" err="1" smtClean="0">
-                <a:latin typeface="Arial (Body)"/>
-              </a:rPr>
-              <a:t>hệ</a:t>
-            </a:r>
-            <a:r>
-              <a:rPr lang="en-US" dirty="0" smtClean="0">
-                <a:latin typeface="Arial (Body)"/>
-              </a:rPr>
-              <a:t> </a:t>
-            </a:r>
-            <a:r>
-              <a:rPr lang="en-US" dirty="0" err="1" smtClean="0">
-                <a:latin typeface="Arial (Body)"/>
-              </a:rPr>
-              <a:t>thống</a:t>
-            </a:r>
-            <a:r>
-              <a:rPr lang="en-US" dirty="0" smtClean="0">
-                <a:latin typeface="Arial (Body)"/>
-              </a:rPr>
-              <a:t> </a:t>
-            </a:r>
-            <a:r>
-              <a:rPr lang="en-US" dirty="0" err="1" smtClean="0">
-                <a:latin typeface="Arial (Body)"/>
-              </a:rPr>
-              <a:t>MuleESB</a:t>
-            </a:r>
-            <a:endParaRPr lang="en-US" dirty="0" smtClean="0">
-              <a:latin typeface="Arial (Body)"/>
-            </a:endParaRPr>
-          </a:p>
-          <a:p>
-            <a:pPr lvl="1"/>
-            <a:r>
-              <a:rPr lang="en-US" dirty="0" err="1" smtClean="0">
-                <a:latin typeface="Arial (Body)"/>
-              </a:rPr>
-              <a:t>Giảm</a:t>
-            </a:r>
-            <a:r>
-              <a:rPr lang="en-US" dirty="0" smtClean="0">
-                <a:latin typeface="Arial (Body)"/>
-              </a:rPr>
-              <a:t> </a:t>
-            </a:r>
-            <a:r>
-              <a:rPr lang="en-US" dirty="0" err="1" smtClean="0">
-                <a:latin typeface="Arial (Body)"/>
-              </a:rPr>
-              <a:t>thiểu</a:t>
-            </a:r>
-            <a:r>
-              <a:rPr lang="en-US" dirty="0" smtClean="0">
-                <a:latin typeface="Arial (Body)"/>
-              </a:rPr>
-              <a:t> </a:t>
-            </a:r>
-            <a:r>
-              <a:rPr lang="en-US" dirty="0" err="1" smtClean="0">
-                <a:latin typeface="Arial (Body)"/>
-              </a:rPr>
-              <a:t>được</a:t>
-            </a:r>
-            <a:r>
-              <a:rPr lang="en-US" dirty="0" smtClean="0">
-                <a:latin typeface="Arial (Body)"/>
-              </a:rPr>
-              <a:t> </a:t>
-            </a:r>
-            <a:r>
-              <a:rPr lang="en-US" dirty="0" err="1" smtClean="0">
-                <a:latin typeface="Arial (Body)"/>
-              </a:rPr>
-              <a:t>thời</a:t>
-            </a:r>
-            <a:r>
-              <a:rPr lang="en-US" dirty="0" smtClean="0">
-                <a:latin typeface="Arial (Body)"/>
-              </a:rPr>
-              <a:t> </a:t>
-            </a:r>
-            <a:r>
-              <a:rPr lang="en-US" dirty="0" err="1" smtClean="0">
-                <a:latin typeface="Arial (Body)"/>
-              </a:rPr>
-              <a:t>gian</a:t>
-            </a:r>
-            <a:r>
-              <a:rPr lang="en-US" dirty="0" smtClean="0">
-                <a:latin typeface="Arial (Body)"/>
-              </a:rPr>
-              <a:t> </a:t>
-            </a:r>
-            <a:r>
-              <a:rPr lang="en-US" dirty="0" err="1" smtClean="0">
-                <a:latin typeface="Arial (Body)"/>
-              </a:rPr>
-              <a:t>phát</a:t>
-            </a:r>
-            <a:r>
-              <a:rPr lang="en-US" dirty="0" smtClean="0">
-                <a:latin typeface="Arial (Body)"/>
-              </a:rPr>
-              <a:t> </a:t>
-            </a:r>
-            <a:r>
-              <a:rPr lang="en-US" dirty="0" err="1" smtClean="0">
-                <a:latin typeface="Arial (Body)"/>
-              </a:rPr>
-              <a:t>triển</a:t>
-            </a:r>
-            <a:r>
-              <a:rPr lang="en-US" dirty="0" smtClean="0">
-                <a:latin typeface="Arial (Body)"/>
-              </a:rPr>
-              <a:t> </a:t>
-            </a:r>
-            <a:r>
-              <a:rPr lang="en-US" dirty="0" err="1" smtClean="0">
-                <a:latin typeface="Arial (Body)"/>
-              </a:rPr>
-              <a:t>ứng</a:t>
-            </a:r>
-            <a:r>
-              <a:rPr lang="en-US" dirty="0" smtClean="0">
-                <a:latin typeface="Arial (Body)"/>
-              </a:rPr>
-              <a:t> </a:t>
-            </a:r>
-            <a:r>
-              <a:rPr lang="en-US" dirty="0" err="1" smtClean="0">
-                <a:latin typeface="Arial (Body)"/>
-              </a:rPr>
-              <a:t>dụng</a:t>
-            </a:r>
-            <a:endParaRPr lang="en-US" dirty="0" smtClean="0">
-              <a:latin typeface="Arial (Body)"/>
-            </a:endParaRPr>
-          </a:p>
-          <a:p>
-            <a:pPr lvl="1"/>
-            <a:r>
-              <a:rPr lang="en-US" dirty="0" err="1" smtClean="0">
-                <a:latin typeface="Arial (Body)"/>
-              </a:rPr>
-              <a:t>Đảm</a:t>
-            </a:r>
-            <a:r>
-              <a:rPr lang="en-US" dirty="0" smtClean="0">
-                <a:latin typeface="Arial (Body)"/>
-              </a:rPr>
-              <a:t> </a:t>
-            </a:r>
-            <a:r>
-              <a:rPr lang="en-US" dirty="0" err="1">
-                <a:latin typeface="Arial (Body)"/>
-              </a:rPr>
-              <a:t>bảo</a:t>
-            </a:r>
-            <a:r>
-              <a:rPr lang="en-US" dirty="0">
-                <a:latin typeface="Arial (Body)"/>
-              </a:rPr>
-              <a:t> </a:t>
-            </a:r>
-            <a:r>
-              <a:rPr lang="en-US" dirty="0" err="1">
-                <a:latin typeface="Arial (Body)"/>
-              </a:rPr>
-              <a:t>không</a:t>
-            </a:r>
-            <a:r>
-              <a:rPr lang="en-US" dirty="0">
-                <a:latin typeface="Arial (Body)"/>
-              </a:rPr>
-              <a:t> </a:t>
-            </a:r>
-            <a:r>
-              <a:rPr lang="en-US" dirty="0" err="1">
-                <a:latin typeface="Arial (Body)"/>
-              </a:rPr>
-              <a:t>xảy</a:t>
-            </a:r>
-            <a:r>
-              <a:rPr lang="en-US" dirty="0">
-                <a:latin typeface="Arial (Body)"/>
-              </a:rPr>
-              <a:t> </a:t>
-            </a:r>
-            <a:r>
-              <a:rPr lang="en-US" dirty="0" err="1">
-                <a:latin typeface="Arial (Body)"/>
-              </a:rPr>
-              <a:t>ra</a:t>
-            </a:r>
-            <a:r>
-              <a:rPr lang="en-US" dirty="0">
-                <a:latin typeface="Arial (Body)"/>
-              </a:rPr>
-              <a:t> </a:t>
-            </a:r>
-            <a:r>
-              <a:rPr lang="en-US" dirty="0" err="1">
-                <a:latin typeface="Arial (Body)"/>
-              </a:rPr>
-              <a:t>lỗi</a:t>
-            </a:r>
-            <a:r>
-              <a:rPr lang="en-US" dirty="0">
-                <a:latin typeface="Arial (Body)"/>
-              </a:rPr>
-              <a:t>, </a:t>
-            </a:r>
-            <a:r>
-              <a:rPr lang="en-US" dirty="0" err="1">
-                <a:latin typeface="Arial (Body)"/>
-              </a:rPr>
-              <a:t>thiếu</a:t>
-            </a:r>
-            <a:r>
-              <a:rPr lang="en-US" dirty="0">
-                <a:latin typeface="Arial (Body)"/>
-              </a:rPr>
-              <a:t> </a:t>
-            </a:r>
-            <a:r>
-              <a:rPr lang="en-US" dirty="0" err="1">
-                <a:latin typeface="Arial (Body)"/>
-              </a:rPr>
-              <a:t>sót</a:t>
-            </a:r>
-            <a:r>
-              <a:rPr lang="en-US" dirty="0">
-                <a:latin typeface="Arial (Body)"/>
-              </a:rPr>
-              <a:t> </a:t>
-            </a:r>
-            <a:r>
-              <a:rPr lang="en-US" dirty="0" err="1">
-                <a:latin typeface="Arial (Body)"/>
-              </a:rPr>
-              <a:t>trong</a:t>
-            </a:r>
-            <a:r>
-              <a:rPr lang="en-US" dirty="0">
-                <a:latin typeface="Arial (Body)"/>
-              </a:rPr>
-              <a:t> </a:t>
-            </a:r>
-            <a:r>
-              <a:rPr lang="en-US" dirty="0" err="1">
-                <a:latin typeface="Arial (Body)"/>
-              </a:rPr>
-              <a:t>quá</a:t>
-            </a:r>
-            <a:r>
-              <a:rPr lang="en-US" dirty="0">
-                <a:latin typeface="Arial (Body)"/>
-              </a:rPr>
-              <a:t> </a:t>
-            </a:r>
-            <a:r>
-              <a:rPr lang="en-US" dirty="0" err="1">
-                <a:latin typeface="Arial (Body)"/>
-              </a:rPr>
-              <a:t>trình</a:t>
-            </a:r>
-            <a:r>
-              <a:rPr lang="en-US" dirty="0">
-                <a:latin typeface="Arial (Body)"/>
-              </a:rPr>
-              <a:t> </a:t>
-            </a:r>
-            <a:r>
-              <a:rPr lang="en-US" dirty="0" err="1">
-                <a:latin typeface="Arial (Body)"/>
-              </a:rPr>
-              <a:t>phát</a:t>
-            </a:r>
-            <a:r>
-              <a:rPr lang="en-US" dirty="0">
-                <a:latin typeface="Arial (Body)"/>
-              </a:rPr>
-              <a:t> </a:t>
-            </a:r>
-            <a:r>
-              <a:rPr lang="en-US" dirty="0" err="1">
-                <a:latin typeface="Arial (Body)"/>
-              </a:rPr>
-              <a:t>triển</a:t>
-            </a:r>
-            <a:r>
-              <a:rPr lang="en-US" dirty="0">
-                <a:latin typeface="Arial (Body)"/>
-              </a:rPr>
-              <a:t> </a:t>
-            </a:r>
-            <a:r>
-              <a:rPr lang="en-US" dirty="0" err="1">
-                <a:latin typeface="Arial (Body)"/>
-              </a:rPr>
-              <a:t>ứng</a:t>
-            </a:r>
-            <a:r>
-              <a:rPr lang="en-US" dirty="0">
-                <a:latin typeface="Arial (Body)"/>
-              </a:rPr>
-              <a:t> </a:t>
-            </a:r>
-            <a:r>
-              <a:rPr lang="en-US" dirty="0" err="1">
-                <a:latin typeface="Arial (Body)"/>
-              </a:rPr>
-              <a:t>dụng</a:t>
-            </a:r>
-            <a:r>
-              <a:rPr lang="en-US" dirty="0">
-                <a:latin typeface="Arial (Body)"/>
-              </a:rPr>
-              <a:t>.</a:t>
-            </a:r>
-            <a:endParaRPr lang="en-US" dirty="0">
-              <a:latin typeface="Arial (Body)"/>
-              <a:ea typeface="Calibri" charset="0"/>
-              <a:cs typeface="Calibri" charset="0"/>
-            </a:endParaRPr>
-          </a:p>
-          <a:p>
-            <a:endParaRPr lang="en-US" dirty="0">
-              <a:latin typeface="Arial (Body)"/>
-              <a:ea typeface="Calibri" charset="0"/>
-              <a:cs typeface="Calibri" charset="0"/>
-            </a:endParaRPr>
-          </a:p>
-          <a:p>
-            <a:pPr lvl="1"/>
-            <a:endParaRPr lang="en-US" dirty="0">
-              <a:latin typeface="Arial (Body)"/>
-              <a:ea typeface="Calibri" charset="0"/>
-              <a:cs typeface="Calibri" charset="0"/>
-            </a:endParaRPr>
-          </a:p>
-        </p:txBody>
-      </p:sp>
-      <p:sp>
-        <p:nvSpPr>
-          <p:cNvPr id="4" name="Slide Number Placeholder 3"/>
-          <p:cNvSpPr>
-            <a:spLocks noGrp="1"/>
-          </p:cNvSpPr>
-          <p:nvPr>
-            <p:ph type="sldNum" sz="quarter" idx="12"/>
-          </p:nvPr>
-        </p:nvSpPr>
-        <p:spPr/>
-        <p:txBody>
-          <a:bodyPr/>
-          <a:lstStyle/>
-          <a:p>
-            <a:fld id="{6D22F896-40B5-4ADD-8801-0D06FADFA095}" type="slidenum">
-              <a:rPr lang="en-US" smtClean="0"/>
-              <a:t>25</a:t>
-            </a:fld>
-            <a:endParaRPr lang="en-US" dirty="0"/>
-          </a:p>
-        </p:txBody>
-      </p:sp>
-    </p:spTree>
-    <p:extLst>
-      <p:ext uri="{BB962C8B-B14F-4D97-AF65-F5344CB8AC3E}">
-        <p14:creationId xmlns:p14="http://schemas.microsoft.com/office/powerpoint/2010/main" val="648927951"/>
-      </p:ext>
-    </p:extLst>
-  </p:cSld>
-  <p:clrMapOvr>
-    <a:masterClrMapping/>
-  </p:clrMapOvr>
-  <p:timing>
-    <p:tnLst>
-      <p:par>
-        <p:cTn id="1" dur="indefinite" restart="never" nodeType="tmRoot"/>
-      </p:par>
-    </p:tnLst>
-  </p:timing>
-</p:sld>
-</file>
-
 <file path=ppt/slides/slide26.xml><?xml version="1.0" encoding="utf-8"?>
 <p:sld xmlns:a="http://schemas.openxmlformats.org/drawingml/2006/main" xmlns:r="http://schemas.openxmlformats.org/officeDocument/2006/relationships" xmlns:p="http://schemas.openxmlformats.org/presentationml/2006/main">
   <p:cSld>
@@ -16261,11 +15685,26 @@
               <a:rPr lang="en-US" dirty="0" err="1">
                 <a:latin typeface="Arial (Body)"/>
               </a:rPr>
-              <a:t>Hạn chế</a:t>
-            </a:r>
-            <a:endParaRPr lang="en-US" dirty="0">
-              <a:latin typeface="Arial (Body)"/>
-            </a:endParaRPr>
+              <a:t>Kết</a:t>
+            </a:r>
+            <a:r>
+              <a:rPr lang="en-US" dirty="0">
+                <a:latin typeface="Arial (Body)"/>
+              </a:rPr>
+              <a:t> </a:t>
+            </a:r>
+            <a:r>
+              <a:rPr lang="en-US" dirty="0" err="1">
+                <a:latin typeface="Arial (Body)"/>
+              </a:rPr>
+              <a:t>quả</a:t>
+            </a:r>
+            <a:r>
+              <a:rPr lang="en-US" dirty="0">
+                <a:latin typeface="Arial (Body)"/>
+              </a:rPr>
+              <a:t>:</a:t>
+            </a:r>
           </a:p>
           <a:p>
             <a:pPr lvl="1"/>
@@ -16273,16 +15712,163 @@
               <a:rPr lang="en-US" dirty="0" err="1" smtClean="0">
                 <a:latin typeface="Arial (Body)"/>
               </a:rPr>
-              <a:t>Chỉ sinh được cho các luồng cơ bản</a:t>
-            </a:r>
-          </a:p>
-          <a:p>
-            <a:pPr lvl="1"/>
-            <a:r>
-              <a:rPr lang="en-US" dirty="0" err="1" smtClean="0">
-                <a:latin typeface="Arial (Body)"/>
-              </a:rPr>
-              <a:t>Chỉ sinh được ca kiểm thử cho MuleESB</a:t>
+              <a:t>Hoàn</a:t>
+            </a:r>
+            <a:r>
+              <a:rPr lang="en-US" dirty="0" smtClean="0">
+                <a:latin typeface="Arial (Body)"/>
+              </a:rPr>
+              <a:t> </a:t>
+            </a:r>
+            <a:r>
+              <a:rPr lang="en-US" dirty="0" err="1">
+                <a:latin typeface="Arial (Body)"/>
+              </a:rPr>
+              <a:t>thiện</a:t>
+            </a:r>
+            <a:r>
+              <a:rPr lang="en-US" dirty="0">
+                <a:latin typeface="Arial (Body)"/>
+              </a:rPr>
+              <a:t> </a:t>
+            </a:r>
+            <a:r>
+              <a:rPr lang="en-US" dirty="0" err="1">
+                <a:latin typeface="Arial (Body)"/>
+              </a:rPr>
+              <a:t>quá</a:t>
+            </a:r>
+            <a:r>
+              <a:rPr lang="en-US" dirty="0">
+                <a:latin typeface="Arial (Body)"/>
+              </a:rPr>
+              <a:t> </a:t>
+            </a:r>
+            <a:r>
+              <a:rPr lang="en-US" dirty="0" err="1">
+                <a:latin typeface="Arial (Body)"/>
+              </a:rPr>
+              <a:t>trình</a:t>
+            </a:r>
+            <a:r>
+              <a:rPr lang="en-US" dirty="0">
+                <a:latin typeface="Arial (Body)"/>
+              </a:rPr>
+              <a:t> </a:t>
+            </a:r>
+            <a:r>
+              <a:rPr lang="en-US" dirty="0" err="1">
+                <a:latin typeface="Arial (Body)"/>
+              </a:rPr>
+              <a:t>kiểm</a:t>
+            </a:r>
+            <a:r>
+              <a:rPr lang="en-US" dirty="0">
+                <a:latin typeface="Arial (Body)"/>
+              </a:rPr>
+              <a:t> </a:t>
+            </a:r>
+            <a:r>
+              <a:rPr lang="en-US" dirty="0" err="1">
+                <a:latin typeface="Arial (Body)"/>
+              </a:rPr>
+              <a:t>thử</a:t>
+            </a:r>
+            <a:r>
+              <a:rPr lang="en-US" dirty="0">
+                <a:latin typeface="Arial (Body)"/>
+              </a:rPr>
+              <a:t> </a:t>
+            </a:r>
+            <a:r>
+              <a:rPr lang="en-US" dirty="0" err="1">
+                <a:latin typeface="Arial (Body)"/>
+              </a:rPr>
+              <a:t>tích</a:t>
+            </a:r>
+            <a:r>
+              <a:rPr lang="en-US" dirty="0">
+                <a:latin typeface="Arial (Body)"/>
+              </a:rPr>
+              <a:t> </a:t>
+            </a:r>
+            <a:r>
+              <a:rPr lang="en-US" dirty="0" err="1">
+                <a:latin typeface="Arial (Body)"/>
+              </a:rPr>
+              <a:t>hợp</a:t>
+            </a:r>
+            <a:r>
+              <a:rPr lang="en-US" dirty="0">
+                <a:latin typeface="Arial (Body)"/>
+              </a:rPr>
+              <a:t> </a:t>
+            </a:r>
+            <a:r>
+              <a:rPr lang="en-US" dirty="0" err="1">
+                <a:latin typeface="Arial (Body)"/>
+              </a:rPr>
+              <a:t>và</a:t>
+            </a:r>
+            <a:r>
+              <a:rPr lang="en-US" dirty="0">
+                <a:latin typeface="Arial (Body)"/>
+              </a:rPr>
+              <a:t> </a:t>
+            </a:r>
+            <a:r>
+              <a:rPr lang="en-US" dirty="0" err="1">
+                <a:latin typeface="Arial (Body)"/>
+              </a:rPr>
+              <a:t>tự</a:t>
+            </a:r>
+            <a:r>
+              <a:rPr lang="en-US" dirty="0">
+                <a:latin typeface="Arial (Body)"/>
+              </a:rPr>
+              <a:t> </a:t>
+            </a:r>
+            <a:r>
+              <a:rPr lang="en-US" dirty="0" err="1" smtClean="0">
+                <a:latin typeface="Arial (Body)"/>
+              </a:rPr>
+              <a:t>động</a:t>
+            </a:r>
+            <a:r>
+              <a:rPr lang="en-US" dirty="0" smtClean="0">
+                <a:latin typeface="Arial (Body)"/>
+              </a:rPr>
+              <a:t> </a:t>
+            </a:r>
+            <a:r>
+              <a:rPr lang="en-US" dirty="0" err="1" smtClean="0">
+                <a:latin typeface="Arial (Body)"/>
+              </a:rPr>
+              <a:t>hệ</a:t>
+            </a:r>
+            <a:r>
+              <a:rPr lang="en-US" dirty="0" smtClean="0">
+                <a:latin typeface="Arial (Body)"/>
+              </a:rPr>
+              <a:t> </a:t>
+            </a:r>
+            <a:r>
+              <a:rPr lang="en-US" dirty="0" err="1" smtClean="0">
+                <a:latin typeface="Arial (Body)"/>
+              </a:rPr>
+              <a:t>thống</a:t>
+            </a:r>
+            <a:r>
+              <a:rPr lang="en-US" dirty="0" smtClean="0">
+                <a:latin typeface="Arial (Body)"/>
+              </a:rPr>
+              <a:t> </a:t>
+            </a:r>
+            <a:r>
+              <a:rPr lang="en-US" dirty="0" err="1" smtClean="0">
+                <a:latin typeface="Arial (Body)"/>
+              </a:rPr>
+              <a:t>MuleESB</a:t>
             </a:r>
             <a:endParaRPr lang="en-US" dirty="0" smtClean="0">
               <a:latin typeface="Arial (Body)"/>
@@ -16294,7 +15880,289 @@
               <a:rPr lang="en-US" dirty="0" err="1" smtClean="0">
                 <a:latin typeface="Arial (Body)"/>
               </a:rPr>
-              <a:t>Chưa sinh được các ca kiểm thử phi chức năng như bảo mật, hiệu năng</a:t>
+              <a:t>Giảm</a:t>
+            </a:r>
+            <a:r>
+              <a:rPr lang="en-US" dirty="0" smtClean="0">
+                <a:latin typeface="Arial (Body)"/>
+              </a:rPr>
+              <a:t> </a:t>
+            </a:r>
+            <a:r>
+              <a:rPr lang="en-US" dirty="0" err="1" smtClean="0">
+                <a:latin typeface="Arial (Body)"/>
+              </a:rPr>
+              <a:t>thiểu</a:t>
+            </a:r>
+            <a:r>
+              <a:rPr lang="en-US" dirty="0" smtClean="0">
+                <a:latin typeface="Arial (Body)"/>
+              </a:rPr>
+              <a:t> </a:t>
+            </a:r>
+            <a:r>
+              <a:rPr lang="en-US" dirty="0" err="1" smtClean="0">
+                <a:latin typeface="Arial (Body)"/>
+              </a:rPr>
+              <a:t>được</a:t>
+            </a:r>
+            <a:r>
+              <a:rPr lang="en-US" dirty="0" smtClean="0">
+                <a:latin typeface="Arial (Body)"/>
+              </a:rPr>
+              <a:t> </a:t>
+            </a:r>
+            <a:r>
+              <a:rPr lang="en-US" dirty="0" err="1" smtClean="0">
+                <a:latin typeface="Arial (Body)"/>
+              </a:rPr>
+              <a:t>thời</a:t>
+            </a:r>
+            <a:r>
+              <a:rPr lang="en-US" dirty="0" smtClean="0">
+                <a:latin typeface="Arial (Body)"/>
+              </a:rPr>
+              <a:t> </a:t>
+            </a:r>
+            <a:r>
+              <a:rPr lang="en-US" dirty="0" err="1" smtClean="0">
+                <a:latin typeface="Arial (Body)"/>
+              </a:rPr>
+              <a:t>gian</a:t>
+            </a:r>
+            <a:r>
+              <a:rPr lang="en-US" dirty="0" smtClean="0">
+                <a:latin typeface="Arial (Body)"/>
+              </a:rPr>
+              <a:t> </a:t>
+            </a:r>
+            <a:r>
+              <a:rPr lang="en-US" dirty="0" err="1" smtClean="0">
+                <a:latin typeface="Arial (Body)"/>
+              </a:rPr>
+              <a:t>phát</a:t>
+            </a:r>
+            <a:r>
+              <a:rPr lang="en-US" dirty="0" smtClean="0">
+                <a:latin typeface="Arial (Body)"/>
+              </a:rPr>
+              <a:t> </a:t>
+            </a:r>
+            <a:r>
+              <a:rPr lang="en-US" dirty="0" err="1" smtClean="0">
+                <a:latin typeface="Arial (Body)"/>
+              </a:rPr>
+              <a:t>triển</a:t>
+            </a:r>
+            <a:r>
+              <a:rPr lang="en-US" dirty="0" smtClean="0">
+                <a:latin typeface="Arial (Body)"/>
+              </a:rPr>
+              <a:t> </a:t>
+            </a:r>
+            <a:r>
+              <a:rPr lang="en-US" dirty="0" err="1" smtClean="0">
+                <a:latin typeface="Arial (Body)"/>
+              </a:rPr>
+              <a:t>ứng</a:t>
+            </a:r>
+            <a:r>
+              <a:rPr lang="en-US" dirty="0" smtClean="0">
+                <a:latin typeface="Arial (Body)"/>
+              </a:rPr>
+              <a:t> </a:t>
+            </a:r>
+            <a:r>
+              <a:rPr lang="en-US" dirty="0" err="1" smtClean="0">
+                <a:latin typeface="Arial (Body)"/>
+              </a:rPr>
+              <a:t>dụng</a:t>
+            </a:r>
+            <a:endParaRPr lang="en-US" dirty="0" smtClean="0">
+              <a:latin typeface="Arial (Body)"/>
+            </a:endParaRPr>
+          </a:p>
+          <a:p>
+            <a:pPr lvl="1"/>
+            <a:r>
+              <a:rPr lang="en-US" dirty="0" err="1" smtClean="0">
+                <a:latin typeface="Arial (Body)"/>
+              </a:rPr>
+              <a:t>Đảm</a:t>
+            </a:r>
+            <a:r>
+              <a:rPr lang="en-US" dirty="0" smtClean="0">
+                <a:latin typeface="Arial (Body)"/>
+              </a:rPr>
+              <a:t> </a:t>
+            </a:r>
+            <a:r>
+              <a:rPr lang="en-US" dirty="0" err="1">
+                <a:latin typeface="Arial (Body)"/>
+              </a:rPr>
+              <a:t>bảo</a:t>
+            </a:r>
+            <a:r>
+              <a:rPr lang="en-US" dirty="0">
+                <a:latin typeface="Arial (Body)"/>
+              </a:rPr>
+              <a:t> </a:t>
+            </a:r>
+            <a:r>
+              <a:rPr lang="en-US" dirty="0" err="1">
+                <a:latin typeface="Arial (Body)"/>
+              </a:rPr>
+              <a:t>không</a:t>
+            </a:r>
+            <a:r>
+              <a:rPr lang="en-US" dirty="0">
+                <a:latin typeface="Arial (Body)"/>
+              </a:rPr>
+              <a:t> </a:t>
+            </a:r>
+            <a:r>
+              <a:rPr lang="en-US" dirty="0" err="1">
+                <a:latin typeface="Arial (Body)"/>
+              </a:rPr>
+              <a:t>xảy</a:t>
+            </a:r>
+            <a:r>
+              <a:rPr lang="en-US" dirty="0">
+                <a:latin typeface="Arial (Body)"/>
+              </a:rPr>
+              <a:t> </a:t>
+            </a:r>
+            <a:r>
+              <a:rPr lang="en-US" dirty="0" err="1">
+                <a:latin typeface="Arial (Body)"/>
+              </a:rPr>
+              <a:t>ra</a:t>
+            </a:r>
+            <a:r>
+              <a:rPr lang="en-US" dirty="0">
+                <a:latin typeface="Arial (Body)"/>
+              </a:rPr>
+              <a:t> </a:t>
+            </a:r>
+            <a:r>
+              <a:rPr lang="en-US" dirty="0" err="1">
+                <a:latin typeface="Arial (Body)"/>
+              </a:rPr>
+              <a:t>lỗi</a:t>
+            </a:r>
+            <a:r>
+              <a:rPr lang="en-US" dirty="0">
+                <a:latin typeface="Arial (Body)"/>
+              </a:rPr>
+              <a:t>, </a:t>
+            </a:r>
+            <a:r>
+              <a:rPr lang="en-US" dirty="0" err="1">
+                <a:latin typeface="Arial (Body)"/>
+              </a:rPr>
+              <a:t>thiếu</a:t>
+            </a:r>
+            <a:r>
+              <a:rPr lang="en-US" dirty="0">
+                <a:latin typeface="Arial (Body)"/>
+              </a:rPr>
+              <a:t> </a:t>
+            </a:r>
+            <a:r>
+              <a:rPr lang="en-US" dirty="0" err="1">
+                <a:latin typeface="Arial (Body)"/>
+              </a:rPr>
+              <a:t>sót</a:t>
+            </a:r>
+            <a:r>
+              <a:rPr lang="en-US" dirty="0">
+                <a:latin typeface="Arial (Body)"/>
+              </a:rPr>
+              <a:t> </a:t>
+            </a:r>
+            <a:r>
+              <a:rPr lang="en-US" dirty="0" err="1">
+                <a:latin typeface="Arial (Body)"/>
+              </a:rPr>
+              <a:t>trong</a:t>
+            </a:r>
+            <a:r>
+              <a:rPr lang="en-US" dirty="0">
+                <a:latin typeface="Arial (Body)"/>
+              </a:rPr>
+              <a:t> </a:t>
+            </a:r>
+            <a:r>
+              <a:rPr lang="en-US" dirty="0" err="1">
+                <a:latin typeface="Arial (Body)"/>
+              </a:rPr>
+              <a:t>quá</a:t>
+            </a:r>
+            <a:r>
+              <a:rPr lang="en-US" dirty="0">
+                <a:latin typeface="Arial (Body)"/>
+              </a:rPr>
+              <a:t> </a:t>
+            </a:r>
+            <a:r>
+              <a:rPr lang="en-US" dirty="0" err="1">
+                <a:latin typeface="Arial (Body)"/>
+              </a:rPr>
+              <a:t>trình</a:t>
+            </a:r>
+            <a:r>
+              <a:rPr lang="en-US" dirty="0">
+                <a:latin typeface="Arial (Body)"/>
+              </a:rPr>
+              <a:t> </a:t>
+            </a:r>
+            <a:r>
+              <a:rPr lang="en-US" dirty="0" err="1">
+                <a:latin typeface="Arial (Body)"/>
+              </a:rPr>
+              <a:t>phát</a:t>
+            </a:r>
+            <a:r>
+              <a:rPr lang="en-US" dirty="0">
+                <a:latin typeface="Arial (Body)"/>
+              </a:rPr>
+              <a:t> </a:t>
+            </a:r>
+            <a:r>
+              <a:rPr lang="en-US" dirty="0" err="1">
+                <a:latin typeface="Arial (Body)"/>
+              </a:rPr>
+              <a:t>triển</a:t>
+            </a:r>
+            <a:r>
+              <a:rPr lang="en-US" dirty="0">
+                <a:latin typeface="Arial (Body)"/>
+              </a:rPr>
+              <a:t> </a:t>
+            </a:r>
+            <a:r>
+              <a:rPr lang="en-US" dirty="0" err="1">
+                <a:latin typeface="Arial (Body)"/>
+              </a:rPr>
+              <a:t>ứng</a:t>
+            </a:r>
+            <a:r>
+              <a:rPr lang="en-US" dirty="0">
+                <a:latin typeface="Arial (Body)"/>
+              </a:rPr>
+              <a:t> </a:t>
+            </a:r>
+            <a:r>
+              <a:rPr lang="en-US" dirty="0" err="1">
+                <a:latin typeface="Arial (Body)"/>
+              </a:rPr>
+              <a:t>dụng</a:t>
+            </a:r>
+            <a:r>
+              <a:rPr lang="en-US" dirty="0">
+                <a:latin typeface="Arial (Body)"/>
+              </a:rPr>
+              <a:t>.</a:t>
             </a:r>
             <a:endParaRPr lang="en-US" dirty="0">
               <a:latin typeface="Arial (Body)"/>
@@ -16345,7 +16213,7 @@
     </p:spTree>
     <p:extLst>
       <p:ext uri="{BB962C8B-B14F-4D97-AF65-F5344CB8AC3E}">
-        <p14:creationId xmlns:p14="http://schemas.microsoft.com/office/powerpoint/2010/main" val="900553322"/>
+        <p14:creationId xmlns:p14="http://schemas.microsoft.com/office/powerpoint/2010/main" val="648927951"/>
       </p:ext>
     </p:extLst>
   </p:cSld>
@@ -16435,55 +16303,7 @@
               <a:rPr lang="en-US" dirty="0" err="1">
                 <a:latin typeface="Arial (Body)"/>
               </a:rPr>
-              <a:t>Định</a:t>
-            </a:r>
-            <a:r>
-              <a:rPr lang="en-US" dirty="0">
-                <a:latin typeface="Arial (Body)"/>
-              </a:rPr>
-              <a:t> </a:t>
-            </a:r>
-            <a:r>
-              <a:rPr lang="en-US" dirty="0" err="1">
-                <a:latin typeface="Arial (Body)"/>
-              </a:rPr>
-              <a:t>hướng</a:t>
-            </a:r>
-            <a:r>
-              <a:rPr lang="en-US" dirty="0">
-                <a:latin typeface="Arial (Body)"/>
-              </a:rPr>
-              <a:t> </a:t>
-            </a:r>
-            <a:r>
-              <a:rPr lang="en-US" dirty="0" err="1">
-                <a:latin typeface="Arial (Body)"/>
-              </a:rPr>
-              <a:t>phát</a:t>
-            </a:r>
-            <a:r>
-              <a:rPr lang="en-US" dirty="0">
-                <a:latin typeface="Arial (Body)"/>
-              </a:rPr>
-              <a:t> </a:t>
-            </a:r>
-            <a:r>
-              <a:rPr lang="en-US" dirty="0" err="1">
-                <a:latin typeface="Arial (Body)"/>
-              </a:rPr>
-              <a:t>triển</a:t>
-            </a:r>
-            <a:r>
-              <a:rPr lang="en-US" dirty="0">
-                <a:latin typeface="Arial (Body)"/>
-              </a:rPr>
-              <a:t> </a:t>
-            </a:r>
-            <a:r>
-              <a:rPr lang="en-US" dirty="0" err="1">
-                <a:latin typeface="Arial (Body)"/>
-              </a:rPr>
-              <a:t>tiếp</a:t>
+              <a:t>Hạn chế</a:t>
             </a:r>
             <a:endParaRPr lang="en-US" dirty="0">
               <a:latin typeface="Arial (Body)"/>
@@ -16492,481 +16312,31 @@
           <a:p>
             <a:pPr lvl="1"/>
             <a:r>
-              <a:rPr lang="en-US" dirty="0" err="1">
-                <a:latin typeface="Arial (Body)"/>
-              </a:rPr>
-              <a:t>Xây</a:t>
-            </a:r>
-            <a:r>
-              <a:rPr lang="en-US" dirty="0">
-                <a:latin typeface="Arial (Body)"/>
-              </a:rPr>
-              <a:t> </a:t>
-            </a:r>
-            <a:r>
-              <a:rPr lang="en-US" dirty="0" err="1">
-                <a:latin typeface="Arial (Body)"/>
-              </a:rPr>
-              <a:t>dựng</a:t>
-            </a:r>
-            <a:r>
-              <a:rPr lang="en-US" dirty="0">
-                <a:latin typeface="Arial (Body)"/>
-              </a:rPr>
-              <a:t> </a:t>
-            </a:r>
-            <a:r>
-              <a:rPr lang="en-US" dirty="0" err="1">
-                <a:latin typeface="Arial (Body)"/>
-              </a:rPr>
-              <a:t>bộ</a:t>
-            </a:r>
-            <a:r>
-              <a:rPr lang="en-US" dirty="0">
-                <a:latin typeface="Arial (Body)"/>
-              </a:rPr>
-              <a:t> </a:t>
-            </a:r>
-            <a:r>
-              <a:rPr lang="en-US" dirty="0" err="1">
-                <a:latin typeface="Arial (Body)"/>
-              </a:rPr>
-              <a:t>mã</a:t>
-            </a:r>
-            <a:r>
-              <a:rPr lang="en-US" dirty="0">
-                <a:latin typeface="Arial (Body)"/>
-              </a:rPr>
-              <a:t> </a:t>
-            </a:r>
-            <a:r>
-              <a:rPr lang="en-US" dirty="0" err="1">
-                <a:latin typeface="Arial (Body)"/>
-              </a:rPr>
-              <a:t>nguồn</a:t>
-            </a:r>
-            <a:r>
-              <a:rPr lang="en-US" dirty="0">
-                <a:latin typeface="Arial (Body)"/>
-              </a:rPr>
-              <a:t> </a:t>
-            </a:r>
-            <a:r>
-              <a:rPr lang="en-US" dirty="0" err="1">
-                <a:latin typeface="Arial (Body)"/>
-              </a:rPr>
-              <a:t>theo</a:t>
-            </a:r>
-            <a:r>
-              <a:rPr lang="en-US" dirty="0">
-                <a:latin typeface="Arial (Body)"/>
-              </a:rPr>
-              <a:t> </a:t>
-            </a:r>
-            <a:r>
-              <a:rPr lang="en-US" dirty="0" err="1">
-                <a:latin typeface="Arial (Body)"/>
-              </a:rPr>
-              <a:t>thiết</a:t>
-            </a:r>
-            <a:r>
-              <a:rPr lang="en-US" dirty="0">
-                <a:latin typeface="Arial (Body)"/>
-              </a:rPr>
-              <a:t> </a:t>
-            </a:r>
-            <a:r>
-              <a:rPr lang="en-US" dirty="0" err="1">
-                <a:latin typeface="Arial (Body)"/>
-              </a:rPr>
-              <a:t>kế</a:t>
-            </a:r>
-            <a:endParaRPr lang="en-US" dirty="0">
+              <a:rPr lang="en-US" dirty="0" err="1" smtClean="0">
+                <a:latin typeface="Arial (Body)"/>
+              </a:rPr>
+              <a:t>Chỉ sinh được cho các luồng cơ bản</a:t>
+            </a:r>
+          </a:p>
+          <a:p>
+            <a:pPr lvl="1"/>
+            <a:r>
+              <a:rPr lang="en-US" dirty="0" err="1" smtClean="0">
+                <a:latin typeface="Arial (Body)"/>
+              </a:rPr>
+              <a:t>Chỉ sinh được ca kiểm thử cho MuleESB</a:t>
+            </a:r>
+            <a:endParaRPr lang="en-US" dirty="0" smtClean="0">
               <a:latin typeface="Arial (Body)"/>
             </a:endParaRPr>
           </a:p>
           <a:p>
             <a:pPr lvl="1"/>
             <a:r>
-              <a:rPr lang="en-US" dirty="0" err="1">
-                <a:latin typeface="Arial (Body)"/>
-              </a:rPr>
-              <a:t>Tích</a:t>
-            </a:r>
-            <a:r>
-              <a:rPr lang="en-US" dirty="0">
-                <a:latin typeface="Arial (Body)"/>
-              </a:rPr>
-              <a:t> </a:t>
-            </a:r>
-            <a:r>
-              <a:rPr lang="en-US" dirty="0" err="1">
-                <a:latin typeface="Arial (Body)"/>
-              </a:rPr>
-              <a:t>hợp</a:t>
-            </a:r>
-            <a:r>
-              <a:rPr lang="en-US" dirty="0">
-                <a:latin typeface="Arial (Body)"/>
-              </a:rPr>
-              <a:t> </a:t>
-            </a:r>
-            <a:r>
-              <a:rPr lang="en-US" dirty="0" err="1">
-                <a:latin typeface="Arial (Body)"/>
-              </a:rPr>
-              <a:t>thành</a:t>
-            </a:r>
-            <a:r>
-              <a:rPr lang="en-US" dirty="0">
-                <a:latin typeface="Arial (Body)"/>
-              </a:rPr>
-              <a:t> plugin </a:t>
-            </a:r>
-            <a:r>
-              <a:rPr lang="en-US" dirty="0" err="1">
-                <a:latin typeface="Arial (Body)"/>
-              </a:rPr>
-              <a:t>trên</a:t>
-            </a:r>
-            <a:r>
-              <a:rPr lang="en-US" dirty="0">
-                <a:latin typeface="Arial (Body)"/>
-              </a:rPr>
-              <a:t> </a:t>
-            </a:r>
-            <a:r>
-              <a:rPr lang="en-US" dirty="0">
-                <a:latin typeface="Arial (Body)"/>
-              </a:rPr>
-              <a:t>IDE</a:t>
-            </a:r>
-          </a:p>
-          <a:p>
-            <a:pPr lvl="1"/>
-            <a:r>
-              <a:rPr lang="en-US" dirty="0" err="1">
-                <a:latin typeface="Arial (Body)"/>
-              </a:rPr>
-              <a:t>Hỗ</a:t>
-            </a:r>
-            <a:r>
-              <a:rPr lang="en-US" dirty="0">
-                <a:latin typeface="Arial (Body)"/>
-              </a:rPr>
-              <a:t> </a:t>
-            </a:r>
-            <a:r>
-              <a:rPr lang="en-US" dirty="0" err="1">
-                <a:latin typeface="Arial (Body)"/>
-              </a:rPr>
-              <a:t>trợ</a:t>
-            </a:r>
-            <a:r>
-              <a:rPr lang="en-US" dirty="0">
-                <a:latin typeface="Arial (Body)"/>
-              </a:rPr>
-              <a:t> </a:t>
-            </a:r>
-            <a:r>
-              <a:rPr lang="en-US" dirty="0" err="1">
-                <a:latin typeface="Arial (Body)"/>
-              </a:rPr>
-              <a:t>kiểm</a:t>
-            </a:r>
-            <a:r>
-              <a:rPr lang="en-US" dirty="0">
-                <a:latin typeface="Arial (Body)"/>
-              </a:rPr>
-              <a:t> </a:t>
-            </a:r>
-            <a:r>
-              <a:rPr lang="en-US" dirty="0" err="1">
-                <a:latin typeface="Arial (Body)"/>
-              </a:rPr>
-              <a:t>thử</a:t>
-            </a:r>
-            <a:r>
-              <a:rPr lang="en-US" dirty="0">
-                <a:latin typeface="Arial (Body)"/>
-              </a:rPr>
-              <a:t> phi </a:t>
-            </a:r>
-            <a:r>
-              <a:rPr lang="en-US" dirty="0" err="1">
-                <a:latin typeface="Arial (Body)"/>
-              </a:rPr>
-              <a:t>chức</a:t>
-            </a:r>
-            <a:r>
-              <a:rPr lang="en-US" dirty="0">
-                <a:latin typeface="Arial (Body)"/>
-              </a:rPr>
-              <a:t> </a:t>
-            </a:r>
-            <a:r>
-              <a:rPr lang="en-US" dirty="0" err="1">
-                <a:latin typeface="Arial (Body)"/>
-              </a:rPr>
-              <a:t>năng</a:t>
-            </a:r>
-            <a:r>
-              <a:rPr lang="en-US" dirty="0">
-                <a:latin typeface="Arial (Body)"/>
-              </a:rPr>
-              <a:t>: </a:t>
-            </a:r>
-            <a:r>
-              <a:rPr lang="en-US" dirty="0" err="1">
-                <a:latin typeface="Arial (Body)"/>
-              </a:rPr>
-              <a:t>bảo</a:t>
-            </a:r>
-            <a:r>
-              <a:rPr lang="en-US" dirty="0">
-                <a:latin typeface="Arial (Body)"/>
-              </a:rPr>
-              <a:t> </a:t>
-            </a:r>
-            <a:r>
-              <a:rPr lang="en-US" dirty="0" err="1">
-                <a:latin typeface="Arial (Body)"/>
-              </a:rPr>
-              <a:t>mật</a:t>
-            </a:r>
-            <a:r>
-              <a:rPr lang="en-US" dirty="0">
-                <a:latin typeface="Arial (Body)"/>
-              </a:rPr>
-              <a:t>, </a:t>
-            </a:r>
-            <a:r>
-              <a:rPr lang="en-US" dirty="0" err="1">
-                <a:latin typeface="Arial (Body)"/>
-              </a:rPr>
-              <a:t>hiệu</a:t>
-            </a:r>
-            <a:r>
-              <a:rPr lang="en-US" dirty="0">
-                <a:latin typeface="Arial (Body)"/>
-              </a:rPr>
-              <a:t> </a:t>
-            </a:r>
-            <a:r>
-              <a:rPr lang="en-US" dirty="0" err="1">
-                <a:latin typeface="Arial (Body)"/>
-              </a:rPr>
-              <a:t>năng</a:t>
-            </a:r>
-            <a:r>
-              <a:rPr lang="en-US" dirty="0">
-                <a:latin typeface="Arial (Body)"/>
-              </a:rPr>
-              <a:t> </a:t>
-            </a:r>
-            <a:r>
-              <a:rPr lang="en-US" dirty="0" err="1">
-                <a:latin typeface="Arial (Body)"/>
-              </a:rPr>
-              <a:t>hệ</a:t>
-            </a:r>
-            <a:r>
-              <a:rPr lang="en-US" dirty="0">
-                <a:latin typeface="Arial (Body)"/>
-              </a:rPr>
-              <a:t> </a:t>
-            </a:r>
-            <a:r>
-              <a:rPr lang="en-US" dirty="0" err="1">
-                <a:latin typeface="Arial (Body)"/>
-              </a:rPr>
-              <a:t>thống</a:t>
-            </a:r>
-            <a:endParaRPr lang="en-US" dirty="0">
-              <a:latin typeface="Arial (Body)"/>
-            </a:endParaRPr>
-          </a:p>
-          <a:p>
-            <a:pPr lvl="1"/>
-            <a:r>
-              <a:rPr lang="en-US" dirty="0" err="1">
-                <a:latin typeface="Arial (Body)"/>
-              </a:rPr>
-              <a:t>Hỗ</a:t>
-            </a:r>
-            <a:r>
-              <a:rPr lang="en-US" dirty="0">
-                <a:latin typeface="Arial (Body)"/>
-              </a:rPr>
-              <a:t> </a:t>
-            </a:r>
-            <a:r>
-              <a:rPr lang="en-US" dirty="0" err="1">
-                <a:latin typeface="Arial (Body)"/>
-              </a:rPr>
-              <a:t>trợ</a:t>
-            </a:r>
-            <a:r>
-              <a:rPr lang="en-US" dirty="0">
-                <a:latin typeface="Arial (Body)"/>
-              </a:rPr>
-              <a:t> </a:t>
-            </a:r>
-            <a:r>
-              <a:rPr lang="en-US" dirty="0" err="1">
-                <a:latin typeface="Arial (Body)"/>
-              </a:rPr>
-              <a:t>kiểm</a:t>
-            </a:r>
-            <a:r>
-              <a:rPr lang="en-US" dirty="0">
-                <a:latin typeface="Arial (Body)"/>
-              </a:rPr>
-              <a:t> </a:t>
-            </a:r>
-            <a:r>
-              <a:rPr lang="en-US" dirty="0" err="1">
-                <a:latin typeface="Arial (Body)"/>
-              </a:rPr>
-              <a:t>thử</a:t>
-            </a:r>
-            <a:r>
-              <a:rPr lang="en-US" dirty="0">
-                <a:latin typeface="Arial (Body)"/>
-              </a:rPr>
-              <a:t> </a:t>
-            </a:r>
-            <a:r>
-              <a:rPr lang="en-US" dirty="0" err="1">
-                <a:latin typeface="Arial (Body)"/>
-              </a:rPr>
-              <a:t>các</a:t>
-            </a:r>
-            <a:r>
-              <a:rPr lang="en-US" dirty="0">
-                <a:latin typeface="Arial (Body)"/>
-              </a:rPr>
-              <a:t> </a:t>
-            </a:r>
-            <a:r>
-              <a:rPr lang="en-US" dirty="0" err="1">
-                <a:latin typeface="Arial (Body)"/>
-              </a:rPr>
-              <a:t>hệ</a:t>
-            </a:r>
-            <a:r>
-              <a:rPr lang="en-US" dirty="0">
-                <a:latin typeface="Arial (Body)"/>
-              </a:rPr>
-              <a:t> </a:t>
-            </a:r>
-            <a:r>
-              <a:rPr lang="en-US" dirty="0" err="1">
-                <a:latin typeface="Arial (Body)"/>
-              </a:rPr>
-              <a:t>thống</a:t>
-            </a:r>
-            <a:r>
-              <a:rPr lang="en-US" dirty="0">
-                <a:latin typeface="Arial (Body)"/>
-              </a:rPr>
-              <a:t> ESB </a:t>
-            </a:r>
-            <a:r>
-              <a:rPr lang="en-US" dirty="0" err="1">
-                <a:latin typeface="Arial (Body)"/>
-              </a:rPr>
-              <a:t>trên</a:t>
-            </a:r>
-            <a:r>
-              <a:rPr lang="en-US" dirty="0">
-                <a:latin typeface="Arial (Body)"/>
-              </a:rPr>
-              <a:t> </a:t>
-            </a:r>
-            <a:r>
-              <a:rPr lang="en-US" dirty="0" err="1">
-                <a:latin typeface="Arial (Body)"/>
-              </a:rPr>
-              <a:t>các</a:t>
-            </a:r>
-            <a:r>
-              <a:rPr lang="en-US" dirty="0">
-                <a:latin typeface="Arial (Body)"/>
-              </a:rPr>
-              <a:t> </a:t>
-            </a:r>
-            <a:r>
-              <a:rPr lang="en-US" dirty="0" err="1">
-                <a:latin typeface="Arial (Body)"/>
-              </a:rPr>
-              <a:t>nền</a:t>
-            </a:r>
-            <a:r>
-              <a:rPr lang="en-US" dirty="0">
-                <a:latin typeface="Arial (Body)"/>
-              </a:rPr>
-              <a:t> </a:t>
-            </a:r>
-            <a:r>
-              <a:rPr lang="en-US" dirty="0" err="1">
-                <a:latin typeface="Arial (Body)"/>
-              </a:rPr>
-              <a:t>tảng</a:t>
-            </a:r>
-            <a:r>
-              <a:rPr lang="en-US" dirty="0">
-                <a:latin typeface="Arial (Body)"/>
-              </a:rPr>
-              <a:t> </a:t>
-            </a:r>
-            <a:r>
-              <a:rPr lang="en-US" dirty="0" err="1">
-                <a:latin typeface="Arial (Body)"/>
-              </a:rPr>
-              <a:t>khác</a:t>
-            </a:r>
-            <a:r>
-              <a:rPr lang="en-US" dirty="0">
-                <a:latin typeface="Arial (Body)"/>
-              </a:rPr>
-              <a:t> </a:t>
-            </a:r>
-            <a:r>
-              <a:rPr lang="en-US" dirty="0" err="1">
-                <a:latin typeface="Arial (Body)"/>
-              </a:rPr>
-              <a:t>như</a:t>
-            </a:r>
-            <a:r>
-              <a:rPr lang="en-US" dirty="0">
-                <a:latin typeface="Arial (Body)"/>
-              </a:rPr>
-              <a:t>: </a:t>
-            </a:r>
-            <a:r>
-              <a:rPr lang="en-US" dirty="0" err="1">
-                <a:latin typeface="Arial (Body)"/>
-              </a:rPr>
-              <a:t>ServiceMix</a:t>
-            </a:r>
-            <a:r>
-              <a:rPr lang="en-US" dirty="0">
-                <a:latin typeface="Arial (Body)"/>
-              </a:rPr>
-              <a:t>, </a:t>
-            </a:r>
-            <a:r>
-              <a:rPr lang="en-US" dirty="0" err="1">
-                <a:latin typeface="Arial (Body)"/>
-              </a:rPr>
-              <a:t>JbossESB</a:t>
-            </a:r>
-            <a:r>
-              <a:rPr lang="en-US" dirty="0">
-                <a:latin typeface="Arial (Body)"/>
-              </a:rPr>
-              <a:t>...</a:t>
+              <a:rPr lang="en-US" dirty="0" err="1" smtClean="0">
+                <a:latin typeface="Arial (Body)"/>
+              </a:rPr>
+              <a:t>Chưa sinh được các ca kiểm thử phi chức năng như bảo mật, hiệu năng</a:t>
             </a:r>
             <a:endParaRPr lang="en-US" dirty="0">
               <a:latin typeface="Arial (Body)"/>
@@ -17017,7 +16387,7 @@
     </p:spTree>
     <p:extLst>
       <p:ext uri="{BB962C8B-B14F-4D97-AF65-F5344CB8AC3E}">
-        <p14:creationId xmlns:p14="http://schemas.microsoft.com/office/powerpoint/2010/main" val="644841088"/>
+        <p14:creationId xmlns:p14="http://schemas.microsoft.com/office/powerpoint/2010/main" val="900553322"/>
       </p:ext>
     </p:extLst>
   </p:cSld>
@@ -17063,75 +16433,23 @@
         </p:nvSpPr>
         <p:spPr/>
         <p:txBody>
-          <a:bodyPr/>
+          <a:bodyPr>
+            <a:normAutofit/>
+          </a:bodyPr>
           <a:lstStyle/>
           <a:p>
             <a:r>
-              <a:rPr lang="en-US" dirty="0" smtClean="0">
+              <a:rPr lang="en-US" dirty="0">
                 <a:latin typeface="Arial (Headings)"/>
-                <a:ea typeface="Calibri" charset="0"/>
-                <a:cs typeface="Calibri" charset="0"/>
-              </a:rPr>
-              <a:t>5. </a:t>
-            </a:r>
-            <a:r>
-              <a:rPr lang="en-US" dirty="0" err="1" smtClean="0">
-                <a:latin typeface="Arial (Headings)"/>
-                <a:ea typeface="Calibri" charset="0"/>
-                <a:cs typeface="Calibri" charset="0"/>
-              </a:rPr>
-              <a:t>Tài</a:t>
-            </a:r>
-            <a:r>
-              <a:rPr lang="en-US" dirty="0" smtClean="0">
-                <a:latin typeface="Arial (Headings)"/>
-                <a:ea typeface="Calibri" charset="0"/>
-                <a:cs typeface="Calibri" charset="0"/>
-              </a:rPr>
-              <a:t> </a:t>
-            </a:r>
-            <a:r>
-              <a:rPr lang="en-US" dirty="0" err="1" smtClean="0">
-                <a:latin typeface="Arial (Headings)"/>
-                <a:ea typeface="Calibri" charset="0"/>
-                <a:cs typeface="Calibri" charset="0"/>
-              </a:rPr>
-              <a:t>liệu</a:t>
-            </a:r>
-            <a:r>
-              <a:rPr lang="en-US" dirty="0" smtClean="0">
-                <a:latin typeface="Arial (Headings)"/>
-                <a:ea typeface="Calibri" charset="0"/>
-                <a:cs typeface="Calibri" charset="0"/>
-              </a:rPr>
-              <a:t> </a:t>
-            </a:r>
-            <a:r>
-              <a:rPr lang="en-US" dirty="0" err="1" smtClean="0">
-                <a:latin typeface="Arial (Headings)"/>
-                <a:ea typeface="Calibri" charset="0"/>
-                <a:cs typeface="Calibri" charset="0"/>
-              </a:rPr>
-              <a:t>tham</a:t>
-            </a:r>
-            <a:r>
-              <a:rPr lang="en-US" dirty="0" smtClean="0">
-                <a:latin typeface="Arial (Headings)"/>
-                <a:ea typeface="Calibri" charset="0"/>
-                <a:cs typeface="Calibri" charset="0"/>
-              </a:rPr>
-              <a:t> </a:t>
-            </a:r>
-            <a:r>
-              <a:rPr lang="en-US" dirty="0" err="1" smtClean="0">
-                <a:latin typeface="Arial (Headings)"/>
-                <a:ea typeface="Calibri" charset="0"/>
-                <a:cs typeface="Calibri" charset="0"/>
-              </a:rPr>
-              <a:t>khảo</a:t>
+              </a:rPr>
+              <a:t>4</a:t>
+            </a:r>
+            <a:r>
+              <a:rPr lang="vi-VN" dirty="0" smtClean="0"/>
+              <a:t>. Kết quả</a:t>
             </a:r>
             <a:endParaRPr lang="en-US" dirty="0">
-              <a:latin typeface="Arial (Headings)"/>
+              <a:latin typeface="Calibri" charset="0"/>
               <a:ea typeface="Calibri" charset="0"/>
               <a:cs typeface="Calibri" charset="0"/>
             </a:endParaRPr>
@@ -17150,161 +16468,561 @@
         </p:nvSpPr>
         <p:spPr/>
         <p:txBody>
-          <a:bodyPr/>
+          <a:bodyPr>
+            <a:normAutofit/>
+          </a:bodyPr>
           <a:lstStyle/>
           <a:p>
-            <a:pPr lvl="0" fontAlgn="base"/>
-            <a:r>
-              <a:rPr lang="en-US" dirty="0">
-                <a:latin typeface="Arial (Body)"/>
-              </a:rPr>
-              <a:t>Mule project. </a:t>
-            </a:r>
-            <a:r>
-              <a:rPr lang="en-US" u="sng" dirty="0">
-                <a:latin typeface="Arial (Body)"/>
-                <a:hlinkClick r:id="rId2"/>
-              </a:rPr>
-              <a:t>https://www.mulesoft.com/</a:t>
-            </a:r>
-            <a:r>
-              <a:rPr lang="en-US" dirty="0">
-                <a:latin typeface="Arial (Body)"/>
-              </a:rPr>
-              <a:t> </a:t>
-            </a:r>
-          </a:p>
-          <a:p>
-            <a:pPr lvl="0" fontAlgn="base"/>
-            <a:r>
-              <a:rPr lang="en-US" dirty="0">
-                <a:latin typeface="Arial (Body)"/>
-              </a:rPr>
-              <a:t>Jenkins, </a:t>
-            </a:r>
-            <a:r>
-              <a:rPr lang="en-US" u="sng" dirty="0">
-                <a:latin typeface="Arial (Body)"/>
-                <a:hlinkClick r:id="rId3"/>
-              </a:rPr>
-              <a:t>https://jenkins.io</a:t>
-            </a:r>
-            <a:r>
-              <a:rPr lang="en-US" u="sng" dirty="0" smtClean="0">
-                <a:latin typeface="Arial (Body)"/>
-                <a:hlinkClick r:id="rId3"/>
-              </a:rPr>
-              <a:t>/</a:t>
-            </a:r>
-            <a:r>
-              <a:rPr lang="en-US" dirty="0" smtClean="0">
-                <a:latin typeface="Arial (Body)"/>
-              </a:rPr>
-              <a:t> </a:t>
-            </a:r>
-          </a:p>
-          <a:p>
-            <a:pPr lvl="0" fontAlgn="base"/>
-            <a:r>
-              <a:rPr lang="en-US" dirty="0" smtClean="0">
-                <a:latin typeface="Arial (Body)"/>
-              </a:rPr>
-              <a:t>Maven</a:t>
-            </a:r>
-            <a:r>
-              <a:rPr lang="en-US" dirty="0">
-                <a:latin typeface="Arial (Body)"/>
-              </a:rPr>
-              <a:t>, </a:t>
-            </a:r>
-            <a:r>
-              <a:rPr lang="en-US" u="sng" dirty="0">
-                <a:latin typeface="Arial (Body)"/>
-                <a:hlinkClick r:id="rId4"/>
-              </a:rPr>
-              <a:t>https://maven.apache.org/</a:t>
-            </a:r>
-            <a:r>
-              <a:rPr lang="en-US" dirty="0">
-                <a:latin typeface="Arial (Body)"/>
-              </a:rPr>
-              <a:t> </a:t>
-            </a:r>
-            <a:endParaRPr lang="en-US" dirty="0" smtClean="0">
+            <a:r>
+              <a:rPr lang="en-US" dirty="0" err="1">
+                <a:latin typeface="Arial (Body)"/>
+              </a:rPr>
+              <a:t>Định</a:t>
+            </a:r>
+            <a:r>
+              <a:rPr lang="en-US" dirty="0">
+                <a:latin typeface="Arial (Body)"/>
+              </a:rPr>
+              <a:t> </a:t>
+            </a:r>
+            <a:r>
+              <a:rPr lang="en-US" dirty="0" err="1">
+                <a:latin typeface="Arial (Body)"/>
+              </a:rPr>
+              <a:t>hướng</a:t>
+            </a:r>
+            <a:r>
+              <a:rPr lang="en-US" dirty="0">
+                <a:latin typeface="Arial (Body)"/>
+              </a:rPr>
+              <a:t> </a:t>
+            </a:r>
+            <a:r>
+              <a:rPr lang="en-US" dirty="0" err="1">
+                <a:latin typeface="Arial (Body)"/>
+              </a:rPr>
+              <a:t>phát</a:t>
+            </a:r>
+            <a:r>
+              <a:rPr lang="en-US" dirty="0">
+                <a:latin typeface="Arial (Body)"/>
+              </a:rPr>
+              <a:t> </a:t>
+            </a:r>
+            <a:r>
+              <a:rPr lang="en-US" dirty="0" err="1">
+                <a:latin typeface="Arial (Body)"/>
+              </a:rPr>
+              <a:t>triển</a:t>
+            </a:r>
+            <a:r>
+              <a:rPr lang="en-US" dirty="0">
+                <a:latin typeface="Arial (Body)"/>
+              </a:rPr>
+              <a:t> </a:t>
+            </a:r>
+            <a:r>
+              <a:rPr lang="en-US" dirty="0" err="1">
+                <a:latin typeface="Arial (Body)"/>
+              </a:rPr>
+              <a:t>tiếp</a:t>
+            </a:r>
+            <a:endParaRPr lang="en-US" dirty="0">
               <a:latin typeface="Arial (Body)"/>
             </a:endParaRPr>
           </a:p>
           <a:p>
-            <a:pPr lvl="0" fontAlgn="base"/>
-            <a:r>
-              <a:rPr lang="en-US" dirty="0" err="1">
-                <a:latin typeface="Arial (Body)"/>
-              </a:rPr>
-              <a:t>JUnit</a:t>
-            </a:r>
-            <a:r>
-              <a:rPr lang="en-US" dirty="0">
-                <a:latin typeface="Arial (Body)"/>
-              </a:rPr>
-              <a:t>, </a:t>
-            </a:r>
-            <a:r>
-              <a:rPr lang="en-US" dirty="0">
-                <a:latin typeface="Arial (Body)"/>
-                <a:hlinkClick r:id="rId5"/>
-              </a:rPr>
-              <a:t>https://</a:t>
-            </a:r>
-            <a:r>
-              <a:rPr lang="en-US" dirty="0" smtClean="0">
-                <a:latin typeface="Arial (Body)"/>
-                <a:hlinkClick r:id="rId5"/>
-              </a:rPr>
-              <a:t>junit.org/</a:t>
-            </a:r>
-            <a:r>
-              <a:rPr lang="en-US" dirty="0" smtClean="0">
-                <a:latin typeface="Arial (Body)"/>
-              </a:rPr>
-              <a:t> </a:t>
-            </a:r>
-          </a:p>
-          <a:p>
-            <a:pPr lvl="0" fontAlgn="base"/>
-            <a:r>
-              <a:rPr lang="en-US" dirty="0" err="1" smtClean="0">
-                <a:latin typeface="Arial (Body)"/>
-              </a:rPr>
-              <a:t>Github</a:t>
-            </a:r>
-            <a:r>
-              <a:rPr lang="en-US" dirty="0">
-                <a:latin typeface="Arial (Body)"/>
-              </a:rPr>
-              <a:t>, </a:t>
-            </a:r>
-            <a:r>
-              <a:rPr lang="en-US" dirty="0">
-                <a:latin typeface="Arial (Body)"/>
-                <a:hlinkClick r:id="rId6"/>
-              </a:rPr>
-              <a:t>https://github.com</a:t>
-            </a:r>
-            <a:r>
-              <a:rPr lang="en-US" dirty="0" smtClean="0">
-                <a:latin typeface="Arial (Body)"/>
-                <a:hlinkClick r:id="rId6"/>
-              </a:rPr>
-              <a:t>/</a:t>
-            </a:r>
-            <a:r>
-              <a:rPr lang="en-US" dirty="0" smtClean="0">
-                <a:latin typeface="Arial (Body)"/>
-              </a:rPr>
-              <a:t> </a:t>
+            <a:pPr lvl="1"/>
+            <a:r>
+              <a:rPr lang="en-US" dirty="0" err="1">
+                <a:latin typeface="Arial (Body)"/>
+              </a:rPr>
+              <a:t>Xây</a:t>
+            </a:r>
+            <a:r>
+              <a:rPr lang="en-US" dirty="0">
+                <a:latin typeface="Arial (Body)"/>
+              </a:rPr>
+              <a:t> </a:t>
+            </a:r>
+            <a:r>
+              <a:rPr lang="en-US" dirty="0" err="1">
+                <a:latin typeface="Arial (Body)"/>
+              </a:rPr>
+              <a:t>dựng</a:t>
+            </a:r>
+            <a:r>
+              <a:rPr lang="en-US" dirty="0">
+                <a:latin typeface="Arial (Body)"/>
+              </a:rPr>
+              <a:t> </a:t>
+            </a:r>
+            <a:r>
+              <a:rPr lang="en-US" dirty="0" err="1">
+                <a:latin typeface="Arial (Body)"/>
+              </a:rPr>
+              <a:t>bộ</a:t>
+            </a:r>
+            <a:r>
+              <a:rPr lang="en-US" dirty="0">
+                <a:latin typeface="Arial (Body)"/>
+              </a:rPr>
+              <a:t> </a:t>
+            </a:r>
+            <a:r>
+              <a:rPr lang="en-US" dirty="0" err="1">
+                <a:latin typeface="Arial (Body)"/>
+              </a:rPr>
+              <a:t>mã</a:t>
+            </a:r>
+            <a:r>
+              <a:rPr lang="en-US" dirty="0">
+                <a:latin typeface="Arial (Body)"/>
+              </a:rPr>
+              <a:t> </a:t>
+            </a:r>
+            <a:r>
+              <a:rPr lang="en-US" dirty="0" err="1">
+                <a:latin typeface="Arial (Body)"/>
+              </a:rPr>
+              <a:t>nguồn</a:t>
+            </a:r>
+            <a:r>
+              <a:rPr lang="en-US" dirty="0">
+                <a:latin typeface="Arial (Body)"/>
+              </a:rPr>
+              <a:t> </a:t>
+            </a:r>
+            <a:r>
+              <a:rPr lang="en-US" dirty="0" err="1">
+                <a:latin typeface="Arial (Body)"/>
+              </a:rPr>
+              <a:t>theo</a:t>
+            </a:r>
+            <a:r>
+              <a:rPr lang="en-US" dirty="0">
+                <a:latin typeface="Arial (Body)"/>
+              </a:rPr>
+              <a:t> </a:t>
+            </a:r>
+            <a:r>
+              <a:rPr lang="en-US" dirty="0" err="1">
+                <a:latin typeface="Arial (Body)"/>
+              </a:rPr>
+              <a:t>thiết</a:t>
+            </a:r>
+            <a:r>
+              <a:rPr lang="en-US" dirty="0">
+                <a:latin typeface="Arial (Body)"/>
+              </a:rPr>
+              <a:t> </a:t>
+            </a:r>
+            <a:r>
+              <a:rPr lang="en-US" dirty="0" err="1">
+                <a:latin typeface="Arial (Body)"/>
+              </a:rPr>
+              <a:t>kế</a:t>
             </a:r>
             <a:endParaRPr lang="en-US" dirty="0">
               <a:latin typeface="Arial (Body)"/>
+            </a:endParaRPr>
+          </a:p>
+          <a:p>
+            <a:pPr lvl="1"/>
+            <a:r>
+              <a:rPr lang="en-US" dirty="0" err="1">
+                <a:latin typeface="Arial (Body)"/>
+              </a:rPr>
+              <a:t>Tích</a:t>
+            </a:r>
+            <a:r>
+              <a:rPr lang="en-US" dirty="0">
+                <a:latin typeface="Arial (Body)"/>
+              </a:rPr>
+              <a:t> </a:t>
+            </a:r>
+            <a:r>
+              <a:rPr lang="en-US" dirty="0" err="1">
+                <a:latin typeface="Arial (Body)"/>
+              </a:rPr>
+              <a:t>hợp</a:t>
+            </a:r>
+            <a:r>
+              <a:rPr lang="en-US" dirty="0">
+                <a:latin typeface="Arial (Body)"/>
+              </a:rPr>
+              <a:t> </a:t>
+            </a:r>
+            <a:r>
+              <a:rPr lang="en-US" dirty="0" err="1">
+                <a:latin typeface="Arial (Body)"/>
+              </a:rPr>
+              <a:t>thành</a:t>
+            </a:r>
+            <a:r>
+              <a:rPr lang="en-US" dirty="0">
+                <a:latin typeface="Arial (Body)"/>
+              </a:rPr>
+              <a:t> plugin </a:t>
+            </a:r>
+            <a:r>
+              <a:rPr lang="en-US" dirty="0" err="1">
+                <a:latin typeface="Arial (Body)"/>
+              </a:rPr>
+              <a:t>trên</a:t>
+            </a:r>
+            <a:r>
+              <a:rPr lang="en-US" dirty="0">
+                <a:latin typeface="Arial (Body)"/>
+              </a:rPr>
+              <a:t> IDE</a:t>
+            </a:r>
+          </a:p>
+          <a:p>
+            <a:pPr lvl="1"/>
+            <a:r>
+              <a:rPr lang="en-US" dirty="0" err="1">
+                <a:latin typeface="Arial (Body)"/>
+              </a:rPr>
+              <a:t>Hỗ</a:t>
+            </a:r>
+            <a:r>
+              <a:rPr lang="en-US" dirty="0">
+                <a:latin typeface="Arial (Body)"/>
+              </a:rPr>
+              <a:t> </a:t>
+            </a:r>
+            <a:r>
+              <a:rPr lang="en-US" dirty="0" err="1">
+                <a:latin typeface="Arial (Body)"/>
+              </a:rPr>
+              <a:t>trợ</a:t>
+            </a:r>
+            <a:r>
+              <a:rPr lang="en-US" dirty="0">
+                <a:latin typeface="Arial (Body)"/>
+              </a:rPr>
+              <a:t> </a:t>
+            </a:r>
+            <a:r>
+              <a:rPr lang="en-US" dirty="0" err="1">
+                <a:latin typeface="Arial (Body)"/>
+              </a:rPr>
+              <a:t>kiểm</a:t>
+            </a:r>
+            <a:r>
+              <a:rPr lang="en-US" dirty="0">
+                <a:latin typeface="Arial (Body)"/>
+              </a:rPr>
+              <a:t> </a:t>
+            </a:r>
+            <a:r>
+              <a:rPr lang="en-US" dirty="0" err="1">
+                <a:latin typeface="Arial (Body)"/>
+              </a:rPr>
+              <a:t>thử</a:t>
+            </a:r>
+            <a:r>
+              <a:rPr lang="en-US" dirty="0">
+                <a:latin typeface="Arial (Body)"/>
+              </a:rPr>
+              <a:t> phi </a:t>
+            </a:r>
+            <a:r>
+              <a:rPr lang="en-US" dirty="0" err="1">
+                <a:latin typeface="Arial (Body)"/>
+              </a:rPr>
+              <a:t>chức</a:t>
+            </a:r>
+            <a:r>
+              <a:rPr lang="en-US" dirty="0">
+                <a:latin typeface="Arial (Body)"/>
+              </a:rPr>
+              <a:t> </a:t>
+            </a:r>
+            <a:r>
+              <a:rPr lang="en-US" dirty="0" err="1">
+                <a:latin typeface="Arial (Body)"/>
+              </a:rPr>
+              <a:t>năng</a:t>
+            </a:r>
+            <a:r>
+              <a:rPr lang="en-US" dirty="0">
+                <a:latin typeface="Arial (Body)"/>
+              </a:rPr>
+              <a:t>: </a:t>
+            </a:r>
+            <a:r>
+              <a:rPr lang="en-US" dirty="0" err="1">
+                <a:latin typeface="Arial (Body)"/>
+              </a:rPr>
+              <a:t>bảo</a:t>
+            </a:r>
+            <a:r>
+              <a:rPr lang="en-US" dirty="0">
+                <a:latin typeface="Arial (Body)"/>
+              </a:rPr>
+              <a:t> </a:t>
+            </a:r>
+            <a:r>
+              <a:rPr lang="en-US" dirty="0" err="1">
+                <a:latin typeface="Arial (Body)"/>
+              </a:rPr>
+              <a:t>mật</a:t>
+            </a:r>
+            <a:r>
+              <a:rPr lang="en-US" dirty="0">
+                <a:latin typeface="Arial (Body)"/>
+              </a:rPr>
+              <a:t>, </a:t>
+            </a:r>
+            <a:r>
+              <a:rPr lang="en-US" dirty="0" err="1">
+                <a:latin typeface="Arial (Body)"/>
+              </a:rPr>
+              <a:t>hiệu</a:t>
+            </a:r>
+            <a:r>
+              <a:rPr lang="en-US" dirty="0">
+                <a:latin typeface="Arial (Body)"/>
+              </a:rPr>
+              <a:t> </a:t>
+            </a:r>
+            <a:r>
+              <a:rPr lang="en-US" dirty="0" err="1">
+                <a:latin typeface="Arial (Body)"/>
+              </a:rPr>
+              <a:t>năng</a:t>
+            </a:r>
+            <a:r>
+              <a:rPr lang="en-US" dirty="0">
+                <a:latin typeface="Arial (Body)"/>
+              </a:rPr>
+              <a:t> </a:t>
+            </a:r>
+            <a:r>
+              <a:rPr lang="en-US" dirty="0" err="1">
+                <a:latin typeface="Arial (Body)"/>
+              </a:rPr>
+              <a:t>hệ</a:t>
+            </a:r>
+            <a:r>
+              <a:rPr lang="en-US" dirty="0">
+                <a:latin typeface="Arial (Body)"/>
+              </a:rPr>
+              <a:t> </a:t>
+            </a:r>
+            <a:r>
+              <a:rPr lang="en-US" dirty="0" err="1">
+                <a:latin typeface="Arial (Body)"/>
+              </a:rPr>
+              <a:t>thống</a:t>
+            </a:r>
+            <a:endParaRPr lang="en-US" dirty="0">
+              <a:latin typeface="Arial (Body)"/>
+            </a:endParaRPr>
+          </a:p>
+          <a:p>
+            <a:pPr lvl="1"/>
+            <a:r>
+              <a:rPr lang="en-US" dirty="0" err="1">
+                <a:latin typeface="Arial (Body)"/>
+              </a:rPr>
+              <a:t>Hỗ</a:t>
+            </a:r>
+            <a:r>
+              <a:rPr lang="en-US" dirty="0">
+                <a:latin typeface="Arial (Body)"/>
+              </a:rPr>
+              <a:t> </a:t>
+            </a:r>
+            <a:r>
+              <a:rPr lang="en-US" dirty="0" err="1">
+                <a:latin typeface="Arial (Body)"/>
+              </a:rPr>
+              <a:t>trợ</a:t>
+            </a:r>
+            <a:r>
+              <a:rPr lang="en-US" dirty="0">
+                <a:latin typeface="Arial (Body)"/>
+              </a:rPr>
+              <a:t> </a:t>
+            </a:r>
+            <a:r>
+              <a:rPr lang="en-US" dirty="0" err="1">
+                <a:latin typeface="Arial (Body)"/>
+              </a:rPr>
+              <a:t>kiểm</a:t>
+            </a:r>
+            <a:r>
+              <a:rPr lang="en-US" dirty="0">
+                <a:latin typeface="Arial (Body)"/>
+              </a:rPr>
+              <a:t> </a:t>
+            </a:r>
+            <a:r>
+              <a:rPr lang="en-US" dirty="0" err="1">
+                <a:latin typeface="Arial (Body)"/>
+              </a:rPr>
+              <a:t>thử</a:t>
+            </a:r>
+            <a:r>
+              <a:rPr lang="en-US" dirty="0">
+                <a:latin typeface="Arial (Body)"/>
+              </a:rPr>
+              <a:t> </a:t>
+            </a:r>
+            <a:r>
+              <a:rPr lang="en-US" dirty="0" err="1">
+                <a:latin typeface="Arial (Body)"/>
+              </a:rPr>
+              <a:t>các</a:t>
+            </a:r>
+            <a:r>
+              <a:rPr lang="en-US" dirty="0">
+                <a:latin typeface="Arial (Body)"/>
+              </a:rPr>
+              <a:t> </a:t>
+            </a:r>
+            <a:r>
+              <a:rPr lang="en-US" dirty="0" err="1">
+                <a:latin typeface="Arial (Body)"/>
+              </a:rPr>
+              <a:t>hệ</a:t>
+            </a:r>
+            <a:r>
+              <a:rPr lang="en-US" dirty="0">
+                <a:latin typeface="Arial (Body)"/>
+              </a:rPr>
+              <a:t> </a:t>
+            </a:r>
+            <a:r>
+              <a:rPr lang="en-US" dirty="0" err="1">
+                <a:latin typeface="Arial (Body)"/>
+              </a:rPr>
+              <a:t>thống</a:t>
+            </a:r>
+            <a:r>
+              <a:rPr lang="en-US" dirty="0">
+                <a:latin typeface="Arial (Body)"/>
+              </a:rPr>
+              <a:t> ESB </a:t>
+            </a:r>
+            <a:r>
+              <a:rPr lang="en-US" dirty="0" err="1">
+                <a:latin typeface="Arial (Body)"/>
+              </a:rPr>
+              <a:t>trên</a:t>
+            </a:r>
+            <a:r>
+              <a:rPr lang="en-US" dirty="0">
+                <a:latin typeface="Arial (Body)"/>
+              </a:rPr>
+              <a:t> </a:t>
+            </a:r>
+            <a:r>
+              <a:rPr lang="en-US" dirty="0" err="1">
+                <a:latin typeface="Arial (Body)"/>
+              </a:rPr>
+              <a:t>các</a:t>
+            </a:r>
+            <a:r>
+              <a:rPr lang="en-US" dirty="0">
+                <a:latin typeface="Arial (Body)"/>
+              </a:rPr>
+              <a:t> </a:t>
+            </a:r>
+            <a:r>
+              <a:rPr lang="en-US" dirty="0" err="1">
+                <a:latin typeface="Arial (Body)"/>
+              </a:rPr>
+              <a:t>nền</a:t>
+            </a:r>
+            <a:r>
+              <a:rPr lang="en-US" dirty="0">
+                <a:latin typeface="Arial (Body)"/>
+              </a:rPr>
+              <a:t> </a:t>
+            </a:r>
+            <a:r>
+              <a:rPr lang="en-US" dirty="0" err="1">
+                <a:latin typeface="Arial (Body)"/>
+              </a:rPr>
+              <a:t>tảng</a:t>
+            </a:r>
+            <a:r>
+              <a:rPr lang="en-US" dirty="0">
+                <a:latin typeface="Arial (Body)"/>
+              </a:rPr>
+              <a:t> </a:t>
+            </a:r>
+            <a:r>
+              <a:rPr lang="en-US" dirty="0" err="1">
+                <a:latin typeface="Arial (Body)"/>
+              </a:rPr>
+              <a:t>khác</a:t>
+            </a:r>
+            <a:r>
+              <a:rPr lang="en-US" dirty="0">
+                <a:latin typeface="Arial (Body)"/>
+              </a:rPr>
+              <a:t> </a:t>
+            </a:r>
+            <a:r>
+              <a:rPr lang="en-US" dirty="0" err="1">
+                <a:latin typeface="Arial (Body)"/>
+              </a:rPr>
+              <a:t>như</a:t>
+            </a:r>
+            <a:r>
+              <a:rPr lang="en-US" dirty="0">
+                <a:latin typeface="Arial (Body)"/>
+              </a:rPr>
+              <a:t>: </a:t>
+            </a:r>
+            <a:r>
+              <a:rPr lang="en-US" dirty="0" err="1">
+                <a:latin typeface="Arial (Body)"/>
+              </a:rPr>
+              <a:t>ServiceMix</a:t>
+            </a:r>
+            <a:r>
+              <a:rPr lang="en-US" dirty="0">
+                <a:latin typeface="Arial (Body)"/>
+              </a:rPr>
+              <a:t>, </a:t>
+            </a:r>
+            <a:r>
+              <a:rPr lang="en-US" dirty="0" err="1">
+                <a:latin typeface="Arial (Body)"/>
+              </a:rPr>
+              <a:t>JbossESB</a:t>
+            </a:r>
+            <a:r>
+              <a:rPr lang="en-US" dirty="0">
+                <a:latin typeface="Arial (Body)"/>
+              </a:rPr>
+              <a:t>...</a:t>
+            </a:r>
+            <a:endParaRPr lang="en-US" dirty="0">
+              <a:latin typeface="Arial (Body)"/>
+              <a:ea typeface="Calibri" charset="0"/>
+              <a:cs typeface="Calibri" charset="0"/>
+            </a:endParaRPr>
+          </a:p>
+          <a:p>
+            <a:endParaRPr lang="en-US" dirty="0">
+              <a:latin typeface="Arial (Body)"/>
+              <a:ea typeface="Calibri" charset="0"/>
+              <a:cs typeface="Calibri" charset="0"/>
+            </a:endParaRPr>
+          </a:p>
+          <a:p>
+            <a:pPr lvl="1"/>
+            <a:endParaRPr lang="en-US" dirty="0">
+              <a:latin typeface="Arial (Body)"/>
+              <a:ea typeface="Calibri" charset="0"/>
+              <a:cs typeface="Calibri" charset="0"/>
             </a:endParaRPr>
           </a:p>
         </p:txBody>
@@ -17335,7 +17053,7 @@
     </p:spTree>
     <p:extLst>
       <p:ext uri="{BB962C8B-B14F-4D97-AF65-F5344CB8AC3E}">
-        <p14:creationId xmlns:p14="http://schemas.microsoft.com/office/powerpoint/2010/main" val="386951778"/>
+        <p14:creationId xmlns:p14="http://schemas.microsoft.com/office/powerpoint/2010/main" val="644841088"/>
       </p:ext>
     </p:extLst>
   </p:cSld>
@@ -17371,7 +17089,7 @@
       </p:grpSpPr>
       <p:sp>
         <p:nvSpPr>
-          <p:cNvPr id="7" name="Title 6"/>
+          <p:cNvPr id="2" name="Title 1"/>
           <p:cNvSpPr>
             <a:spLocks noGrp="1"/>
           </p:cNvSpPr>
@@ -17381,30 +17099,27 @@
         </p:nvSpPr>
         <p:spPr/>
         <p:txBody>
-          <a:bodyPr>
-            <a:normAutofit/>
-          </a:bodyPr>
+          <a:bodyPr/>
           <a:lstStyle/>
           <a:p>
-            <a:pPr algn="ctr"/>
-            <a:r>
-              <a:rPr lang="en-US" sz="7200" dirty="0" smtClean="0">
+            <a:r>
+              <a:rPr lang="en-US" dirty="0" smtClean="0">
                 <a:latin typeface="Arial (Headings)"/>
                 <a:ea typeface="Calibri" charset="0"/>
                 <a:cs typeface="Calibri" charset="0"/>
               </a:rPr>
-              <a:t>Xin </a:t>
-            </a:r>
-            <a:r>
-              <a:rPr lang="en-US" sz="7200" dirty="0" err="1" smtClean="0">
+              <a:t>5. </a:t>
+            </a:r>
+            <a:r>
+              <a:rPr lang="en-US" dirty="0" err="1" smtClean="0">
                 <a:latin typeface="Arial (Headings)"/>
                 <a:ea typeface="Calibri" charset="0"/>
                 <a:cs typeface="Calibri" charset="0"/>
               </a:rPr>
-              <a:t>chân</a:t>
-            </a:r>
-            <a:r>
-              <a:rPr lang="en-US" sz="7200" dirty="0" smtClean="0">
+              <a:t>Tài</a:t>
+            </a:r>
+            <a:r>
+              <a:rPr lang="en-US" dirty="0" smtClean="0">
                 <a:latin typeface="Arial (Headings)"/>
                 <a:ea typeface="Calibri" charset="0"/>
                 <a:cs typeface="Calibri" charset="0"/>
@@ -17412,15 +17127,15 @@
               <a:t> </a:t>
             </a:r>
             <a:r>
-              <a:rPr lang="en-US" sz="7200" dirty="0" err="1" smtClean="0">
+              <a:rPr lang="en-US" dirty="0" err="1" smtClean="0">
                 <a:latin typeface="Arial (Headings)"/>
                 <a:ea typeface="Calibri" charset="0"/>
                 <a:cs typeface="Calibri" charset="0"/>
               </a:rPr>
-              <a:t>thành</a:t>
-            </a:r>
-            <a:r>
-              <a:rPr lang="en-US" sz="7200" dirty="0" smtClean="0">
+              <a:t>liệu</a:t>
+            </a:r>
+            <a:r>
+              <a:rPr lang="en-US" dirty="0" smtClean="0">
                 <a:latin typeface="Arial (Headings)"/>
                 <a:ea typeface="Calibri" charset="0"/>
                 <a:cs typeface="Calibri" charset="0"/>
@@ -17428,15 +17143,15 @@
               <a:t> </a:t>
             </a:r>
             <a:r>
-              <a:rPr lang="en-US" sz="7200" dirty="0" err="1" smtClean="0">
+              <a:rPr lang="en-US" dirty="0" err="1" smtClean="0">
                 <a:latin typeface="Arial (Headings)"/>
                 <a:ea typeface="Calibri" charset="0"/>
                 <a:cs typeface="Calibri" charset="0"/>
               </a:rPr>
-              <a:t>cảm</a:t>
-            </a:r>
-            <a:r>
-              <a:rPr lang="en-US" sz="7200" dirty="0" smtClean="0">
+              <a:t>tham</a:t>
+            </a:r>
+            <a:r>
+              <a:rPr lang="en-US" dirty="0" smtClean="0">
                 <a:latin typeface="Arial (Headings)"/>
                 <a:ea typeface="Calibri" charset="0"/>
                 <a:cs typeface="Calibri" charset="0"/>
@@ -17444,22 +17159,14 @@
               <a:t> </a:t>
             </a:r>
             <a:r>
-              <a:rPr lang="en-US" sz="7200" dirty="0" err="1" smtClean="0">
+              <a:rPr lang="en-US" dirty="0" err="1" smtClean="0">
                 <a:latin typeface="Arial (Headings)"/>
                 <a:ea typeface="Calibri" charset="0"/>
                 <a:cs typeface="Calibri" charset="0"/>
               </a:rPr>
-              <a:t>ơn</a:t>
-            </a:r>
-            <a:r>
-              <a:rPr lang="en-US" sz="7200" dirty="0" smtClean="0">
-                <a:latin typeface="Arial (Headings)"/>
-                <a:ea typeface="Calibri" charset="0"/>
-                <a:cs typeface="Calibri" charset="0"/>
-              </a:rPr>
-              <a:t>!</a:t>
-            </a:r>
-            <a:endParaRPr lang="en-US" sz="4800" dirty="0">
+              <a:t>khảo</a:t>
+            </a:r>
+            <a:endParaRPr lang="en-US" dirty="0">
               <a:latin typeface="Arial (Headings)"/>
               <a:ea typeface="Calibri" charset="0"/>
               <a:cs typeface="Calibri" charset="0"/>
@@ -17469,7 +17176,178 @@
       </p:sp>
       <p:sp>
         <p:nvSpPr>
-          <p:cNvPr id="9" name="Slide Number Placeholder 8"/>
+          <p:cNvPr id="3" name="Content Placeholder 2"/>
+          <p:cNvSpPr>
+            <a:spLocks noGrp="1"/>
+          </p:cNvSpPr>
+          <p:nvPr>
+            <p:ph idx="1"/>
+          </p:nvPr>
+        </p:nvSpPr>
+        <p:spPr/>
+        <p:txBody>
+          <a:bodyPr/>
+          <a:lstStyle/>
+          <a:p>
+            <a:pPr lvl="0" fontAlgn="base"/>
+            <a:r>
+              <a:rPr lang="en-US" dirty="0">
+                <a:latin typeface="Arial (Body)"/>
+              </a:rPr>
+              <a:t>Mule project. </a:t>
+            </a:r>
+            <a:r>
+              <a:rPr lang="en-US" u="sng" dirty="0">
+                <a:latin typeface="Arial (Body)"/>
+                <a:hlinkClick r:id="rId2"/>
+              </a:rPr>
+              <a:t>https://www.mulesoft.com/</a:t>
+            </a:r>
+            <a:r>
+              <a:rPr lang="en-US" dirty="0">
+                <a:latin typeface="Arial (Body)"/>
+              </a:rPr>
+              <a:t> </a:t>
+            </a:r>
+          </a:p>
+          <a:p>
+            <a:pPr lvl="0" fontAlgn="base"/>
+            <a:r>
+              <a:rPr lang="en-US" dirty="0">
+                <a:latin typeface="Arial (Body)"/>
+              </a:rPr>
+              <a:t>Jenkins, </a:t>
+            </a:r>
+            <a:r>
+              <a:rPr lang="en-US" u="sng" dirty="0">
+                <a:latin typeface="Arial (Body)"/>
+                <a:hlinkClick r:id="rId3"/>
+              </a:rPr>
+              <a:t>https://jenkins.io</a:t>
+            </a:r>
+            <a:r>
+              <a:rPr lang="en-US" u="sng" dirty="0" smtClean="0">
+                <a:latin typeface="Arial (Body)"/>
+                <a:hlinkClick r:id="rId3"/>
+              </a:rPr>
+              <a:t>/</a:t>
+            </a:r>
+            <a:r>
+              <a:rPr lang="en-US" dirty="0" smtClean="0">
+                <a:latin typeface="Arial (Body)"/>
+              </a:rPr>
+              <a:t> </a:t>
+            </a:r>
+          </a:p>
+          <a:p>
+            <a:pPr lvl="0" fontAlgn="base"/>
+            <a:r>
+              <a:rPr lang="en-US" dirty="0" smtClean="0">
+                <a:latin typeface="Arial (Body)"/>
+              </a:rPr>
+              <a:t>Maven</a:t>
+            </a:r>
+            <a:r>
+              <a:rPr lang="en-US" dirty="0">
+                <a:latin typeface="Arial (Body)"/>
+              </a:rPr>
+              <a:t>, </a:t>
+            </a:r>
+            <a:r>
+              <a:rPr lang="en-US" u="sng" dirty="0">
+                <a:latin typeface="Arial (Body)"/>
+                <a:hlinkClick r:id="rId4"/>
+              </a:rPr>
+              <a:t>https://maven.apache.org/</a:t>
+            </a:r>
+            <a:r>
+              <a:rPr lang="en-US" dirty="0">
+                <a:latin typeface="Arial (Body)"/>
+              </a:rPr>
+              <a:t> </a:t>
+            </a:r>
+            <a:endParaRPr lang="en-US" dirty="0" smtClean="0">
+              <a:latin typeface="Arial (Body)"/>
+            </a:endParaRPr>
+          </a:p>
+          <a:p>
+            <a:pPr lvl="0" fontAlgn="base"/>
+            <a:r>
+              <a:rPr lang="en-US" dirty="0" err="1">
+                <a:latin typeface="Arial (Body)"/>
+              </a:rPr>
+              <a:t>JUnit</a:t>
+            </a:r>
+            <a:r>
+              <a:rPr lang="en-US" dirty="0">
+                <a:latin typeface="Arial (Body)"/>
+              </a:rPr>
+              <a:t>, </a:t>
+            </a:r>
+            <a:r>
+              <a:rPr lang="en-US" dirty="0">
+                <a:latin typeface="Arial (Body)"/>
+                <a:hlinkClick r:id="rId5"/>
+              </a:rPr>
+              <a:t>https://</a:t>
+            </a:r>
+            <a:r>
+              <a:rPr lang="en-US" dirty="0" smtClean="0">
+                <a:latin typeface="Arial (Body)"/>
+                <a:hlinkClick r:id="rId5"/>
+              </a:rPr>
+              <a:t>junit.org/</a:t>
+            </a:r>
+            <a:r>
+              <a:rPr lang="en-US" dirty="0" smtClean="0">
+                <a:latin typeface="Arial (Body)"/>
+              </a:rPr>
+              <a:t> </a:t>
+            </a:r>
+          </a:p>
+          <a:p>
+            <a:pPr lvl="0" fontAlgn="base"/>
+            <a:r>
+              <a:rPr lang="en-US" dirty="0" err="1" smtClean="0">
+                <a:latin typeface="Arial (Body)"/>
+              </a:rPr>
+              <a:t>Github</a:t>
+            </a:r>
+            <a:r>
+              <a:rPr lang="en-US" dirty="0">
+                <a:latin typeface="Arial (Body)"/>
+              </a:rPr>
+              <a:t>, </a:t>
+            </a:r>
+            <a:r>
+              <a:rPr lang="en-US" dirty="0">
+                <a:latin typeface="Arial (Body)"/>
+                <a:hlinkClick r:id="rId6"/>
+              </a:rPr>
+              <a:t>https://github.com</a:t>
+            </a:r>
+            <a:r>
+              <a:rPr lang="en-US" dirty="0" smtClean="0">
+                <a:latin typeface="Arial (Body)"/>
+                <a:hlinkClick r:id="rId6"/>
+              </a:rPr>
+              <a:t>/</a:t>
+            </a:r>
+            <a:r>
+              <a:rPr lang="en-US" dirty="0" smtClean="0">
+                <a:latin typeface="Arial (Body)"/>
+              </a:rPr>
+              <a:t> </a:t>
+            </a:r>
+            <a:endParaRPr lang="en-US" dirty="0">
+              <a:latin typeface="Arial (Body)"/>
+            </a:endParaRPr>
+          </a:p>
+        </p:txBody>
+      </p:sp>
+      <p:sp>
+        <p:nvSpPr>
+          <p:cNvPr id="4" name="Slide Number Placeholder 3"/>
           <p:cNvSpPr>
             <a:spLocks noGrp="1"/>
           </p:cNvSpPr>
@@ -17493,7 +17371,7 @@
     </p:spTree>
     <p:extLst>
       <p:ext uri="{BB962C8B-B14F-4D97-AF65-F5344CB8AC3E}">
-        <p14:creationId xmlns:p14="http://schemas.microsoft.com/office/powerpoint/2010/main" val="1186905782"/>
+        <p14:creationId xmlns:p14="http://schemas.microsoft.com/office/powerpoint/2010/main" val="386951778"/>
       </p:ext>
     </p:extLst>
   </p:cSld>
@@ -17659,6 +17537,164 @@
     <p:extLst>
       <p:ext uri="{BB962C8B-B14F-4D97-AF65-F5344CB8AC3E}">
         <p14:creationId xmlns:p14="http://schemas.microsoft.com/office/powerpoint/2010/main" val="1199666862"/>
+      </p:ext>
+    </p:extLst>
+  </p:cSld>
+  <p:clrMapOvr>
+    <a:masterClrMapping/>
+  </p:clrMapOvr>
+  <p:timing>
+    <p:tnLst>
+      <p:par>
+        <p:cTn id="1" dur="indefinite" restart="never" nodeType="tmRoot"/>
+      </p:par>
+    </p:tnLst>
+  </p:timing>
+</p:sld>
+</file>
+
+<file path=ppt/slides/slide30.xml><?xml version="1.0" encoding="utf-8"?>
+<p:sld xmlns:a="http://schemas.openxmlformats.org/drawingml/2006/main" xmlns:r="http://schemas.openxmlformats.org/officeDocument/2006/relationships" xmlns:p="http://schemas.openxmlformats.org/presentationml/2006/main">
+  <p:cSld>
+    <p:spTree>
+      <p:nvGrpSpPr>
+        <p:cNvPr id="1" name=""/>
+        <p:cNvGrpSpPr/>
+        <p:nvPr/>
+      </p:nvGrpSpPr>
+      <p:grpSpPr>
+        <a:xfrm>
+          <a:off x="0" y="0"/>
+          <a:ext cx="0" cy="0"/>
+          <a:chOff x="0" y="0"/>
+          <a:chExt cx="0" cy="0"/>
+        </a:xfrm>
+      </p:grpSpPr>
+      <p:sp>
+        <p:nvSpPr>
+          <p:cNvPr id="7" name="Title 6"/>
+          <p:cNvSpPr>
+            <a:spLocks noGrp="1"/>
+          </p:cNvSpPr>
+          <p:nvPr>
+            <p:ph type="title"/>
+          </p:nvPr>
+        </p:nvSpPr>
+        <p:spPr/>
+        <p:txBody>
+          <a:bodyPr>
+            <a:normAutofit/>
+          </a:bodyPr>
+          <a:lstStyle/>
+          <a:p>
+            <a:pPr algn="ctr"/>
+            <a:r>
+              <a:rPr lang="en-US" sz="7200" dirty="0" smtClean="0">
+                <a:latin typeface="Arial (Headings)"/>
+                <a:ea typeface="Calibri" charset="0"/>
+                <a:cs typeface="Calibri" charset="0"/>
+              </a:rPr>
+              <a:t>Xin </a:t>
+            </a:r>
+            <a:r>
+              <a:rPr lang="en-US" sz="7200" dirty="0" err="1" smtClean="0">
+                <a:latin typeface="Arial (Headings)"/>
+                <a:ea typeface="Calibri" charset="0"/>
+                <a:cs typeface="Calibri" charset="0"/>
+              </a:rPr>
+              <a:t>chân</a:t>
+            </a:r>
+            <a:r>
+              <a:rPr lang="en-US" sz="7200" dirty="0" smtClean="0">
+                <a:latin typeface="Arial (Headings)"/>
+                <a:ea typeface="Calibri" charset="0"/>
+                <a:cs typeface="Calibri" charset="0"/>
+              </a:rPr>
+              <a:t> </a:t>
+            </a:r>
+            <a:r>
+              <a:rPr lang="en-US" sz="7200" dirty="0" err="1" smtClean="0">
+                <a:latin typeface="Arial (Headings)"/>
+                <a:ea typeface="Calibri" charset="0"/>
+                <a:cs typeface="Calibri" charset="0"/>
+              </a:rPr>
+              <a:t>thành</a:t>
+            </a:r>
+            <a:r>
+              <a:rPr lang="en-US" sz="7200" dirty="0" smtClean="0">
+                <a:latin typeface="Arial (Headings)"/>
+                <a:ea typeface="Calibri" charset="0"/>
+                <a:cs typeface="Calibri" charset="0"/>
+              </a:rPr>
+              <a:t> </a:t>
+            </a:r>
+            <a:r>
+              <a:rPr lang="en-US" sz="7200" dirty="0" err="1" smtClean="0">
+                <a:latin typeface="Arial (Headings)"/>
+                <a:ea typeface="Calibri" charset="0"/>
+                <a:cs typeface="Calibri" charset="0"/>
+              </a:rPr>
+              <a:t>cảm</a:t>
+            </a:r>
+            <a:r>
+              <a:rPr lang="en-US" sz="7200" dirty="0" smtClean="0">
+                <a:latin typeface="Arial (Headings)"/>
+                <a:ea typeface="Calibri" charset="0"/>
+                <a:cs typeface="Calibri" charset="0"/>
+              </a:rPr>
+              <a:t> </a:t>
+            </a:r>
+            <a:r>
+              <a:rPr lang="en-US" sz="7200" dirty="0" err="1" smtClean="0">
+                <a:latin typeface="Arial (Headings)"/>
+                <a:ea typeface="Calibri" charset="0"/>
+                <a:cs typeface="Calibri" charset="0"/>
+              </a:rPr>
+              <a:t>ơn</a:t>
+            </a:r>
+            <a:r>
+              <a:rPr lang="en-US" sz="7200" dirty="0" smtClean="0">
+                <a:latin typeface="Arial (Headings)"/>
+                <a:ea typeface="Calibri" charset="0"/>
+                <a:cs typeface="Calibri" charset="0"/>
+              </a:rPr>
+              <a:t>!</a:t>
+            </a:r>
+            <a:endParaRPr lang="en-US" sz="4800" dirty="0">
+              <a:latin typeface="Arial (Headings)"/>
+              <a:ea typeface="Calibri" charset="0"/>
+              <a:cs typeface="Calibri" charset="0"/>
+            </a:endParaRPr>
+          </a:p>
+        </p:txBody>
+      </p:sp>
+      <p:sp>
+        <p:nvSpPr>
+          <p:cNvPr id="9" name="Slide Number Placeholder 8"/>
+          <p:cNvSpPr>
+            <a:spLocks noGrp="1"/>
+          </p:cNvSpPr>
+          <p:nvPr>
+            <p:ph type="sldNum" sz="quarter" idx="12"/>
+          </p:nvPr>
+        </p:nvSpPr>
+        <p:spPr/>
+        <p:txBody>
+          <a:bodyPr/>
+          <a:lstStyle/>
+          <a:p>
+            <a:fld id="{6D22F896-40B5-4ADD-8801-0D06FADFA095}" type="slidenum">
+              <a:rPr lang="en-US" smtClean="0"/>
+              <a:t>30</a:t>
+            </a:fld>
+            <a:endParaRPr lang="en-US" dirty="0"/>
+          </a:p>
+        </p:txBody>
+      </p:sp>
+    </p:spTree>
+    <p:extLst>
+      <p:ext uri="{BB962C8B-B14F-4D97-AF65-F5344CB8AC3E}">
+        <p14:creationId xmlns:p14="http://schemas.microsoft.com/office/powerpoint/2010/main" val="1186905782"/>
       </p:ext>
     </p:extLst>
   </p:cSld>
